--- a/sabang.pptx
+++ b/sabang.pptx
@@ -116,6 +116,22 @@
       </a:defRPr>
     </a:lvl9pPr>
   </p:defaultTextStyle>
+  <p:extLst>
+    <p:ext uri="{EFAFB233-063F-42B5-8137-9DF3F51BA10A}">
+      <p15:sldGuideLst xmlns:p15="http://schemas.microsoft.com/office/powerpoint/2012/main">
+        <p15:guide id="1" orient="horz" pos="2160">
+          <p15:clr>
+            <a:srgbClr val="A4A3A4"/>
+          </p15:clr>
+        </p15:guide>
+        <p15:guide id="2" pos="2880">
+          <p15:clr>
+            <a:srgbClr val="A4A3A4"/>
+          </p15:clr>
+        </p15:guide>
+      </p15:sldGuideLst>
+    </p:ext>
+  </p:extLst>
 </p:presentation>
 </file>
 
@@ -301,7 +317,7 @@
             <a:fld id="{6CAC7663-7B7A-480C-B9C4-87C7C8CFBEE8}" type="datetimeFigureOut">
               <a:rPr lang="ko-KR" altLang="en-US" smtClean="0"/>
               <a:pPr/>
-              <a:t>2019-03-29</a:t>
+              <a:t>2019-04-02</a:t>
             </a:fld>
             <a:endParaRPr lang="ko-KR" altLang="en-US"/>
           </a:p>
@@ -468,7 +484,7 @@
             <a:fld id="{6CAC7663-7B7A-480C-B9C4-87C7C8CFBEE8}" type="datetimeFigureOut">
               <a:rPr lang="ko-KR" altLang="en-US" smtClean="0"/>
               <a:pPr/>
-              <a:t>2019-03-29</a:t>
+              <a:t>2019-04-02</a:t>
             </a:fld>
             <a:endParaRPr lang="ko-KR" altLang="en-US"/>
           </a:p>
@@ -645,7 +661,7 @@
             <a:fld id="{6CAC7663-7B7A-480C-B9C4-87C7C8CFBEE8}" type="datetimeFigureOut">
               <a:rPr lang="ko-KR" altLang="en-US" smtClean="0"/>
               <a:pPr/>
-              <a:t>2019-03-29</a:t>
+              <a:t>2019-04-02</a:t>
             </a:fld>
             <a:endParaRPr lang="ko-KR" altLang="en-US"/>
           </a:p>
@@ -812,7 +828,7 @@
             <a:fld id="{6CAC7663-7B7A-480C-B9C4-87C7C8CFBEE8}" type="datetimeFigureOut">
               <a:rPr lang="ko-KR" altLang="en-US" smtClean="0"/>
               <a:pPr/>
-              <a:t>2019-03-29</a:t>
+              <a:t>2019-04-02</a:t>
             </a:fld>
             <a:endParaRPr lang="ko-KR" altLang="en-US"/>
           </a:p>
@@ -1055,7 +1071,7 @@
             <a:fld id="{6CAC7663-7B7A-480C-B9C4-87C7C8CFBEE8}" type="datetimeFigureOut">
               <a:rPr lang="ko-KR" altLang="en-US" smtClean="0"/>
               <a:pPr/>
-              <a:t>2019-03-29</a:t>
+              <a:t>2019-04-02</a:t>
             </a:fld>
             <a:endParaRPr lang="ko-KR" altLang="en-US"/>
           </a:p>
@@ -1340,7 +1356,7 @@
             <a:fld id="{6CAC7663-7B7A-480C-B9C4-87C7C8CFBEE8}" type="datetimeFigureOut">
               <a:rPr lang="ko-KR" altLang="en-US" smtClean="0"/>
               <a:pPr/>
-              <a:t>2019-03-29</a:t>
+              <a:t>2019-04-02</a:t>
             </a:fld>
             <a:endParaRPr lang="ko-KR" altLang="en-US"/>
           </a:p>
@@ -1759,7 +1775,7 @@
             <a:fld id="{6CAC7663-7B7A-480C-B9C4-87C7C8CFBEE8}" type="datetimeFigureOut">
               <a:rPr lang="ko-KR" altLang="en-US" smtClean="0"/>
               <a:pPr/>
-              <a:t>2019-03-29</a:t>
+              <a:t>2019-04-02</a:t>
             </a:fld>
             <a:endParaRPr lang="ko-KR" altLang="en-US"/>
           </a:p>
@@ -1874,7 +1890,7 @@
             <a:fld id="{6CAC7663-7B7A-480C-B9C4-87C7C8CFBEE8}" type="datetimeFigureOut">
               <a:rPr lang="ko-KR" altLang="en-US" smtClean="0"/>
               <a:pPr/>
-              <a:t>2019-03-29</a:t>
+              <a:t>2019-04-02</a:t>
             </a:fld>
             <a:endParaRPr lang="ko-KR" altLang="en-US"/>
           </a:p>
@@ -1966,7 +1982,7 @@
             <a:fld id="{6CAC7663-7B7A-480C-B9C4-87C7C8CFBEE8}" type="datetimeFigureOut">
               <a:rPr lang="ko-KR" altLang="en-US" smtClean="0"/>
               <a:pPr/>
-              <a:t>2019-03-29</a:t>
+              <a:t>2019-04-02</a:t>
             </a:fld>
             <a:endParaRPr lang="ko-KR" altLang="en-US"/>
           </a:p>
@@ -2240,7 +2256,7 @@
             <a:fld id="{6CAC7663-7B7A-480C-B9C4-87C7C8CFBEE8}" type="datetimeFigureOut">
               <a:rPr lang="ko-KR" altLang="en-US" smtClean="0"/>
               <a:pPr/>
-              <a:t>2019-03-29</a:t>
+              <a:t>2019-04-02</a:t>
             </a:fld>
             <a:endParaRPr lang="ko-KR" altLang="en-US"/>
           </a:p>
@@ -2490,7 +2506,7 @@
             <a:fld id="{6CAC7663-7B7A-480C-B9C4-87C7C8CFBEE8}" type="datetimeFigureOut">
               <a:rPr lang="ko-KR" altLang="en-US" smtClean="0"/>
               <a:pPr/>
-              <a:t>2019-03-29</a:t>
+              <a:t>2019-04-02</a:t>
             </a:fld>
             <a:endParaRPr lang="ko-KR" altLang="en-US"/>
           </a:p>
@@ -2700,7 +2716,7 @@
             <a:fld id="{6CAC7663-7B7A-480C-B9C4-87C7C8CFBEE8}" type="datetimeFigureOut">
               <a:rPr lang="ko-KR" altLang="en-US" smtClean="0"/>
               <a:pPr/>
-              <a:t>2019-03-29</a:t>
+              <a:t>2019-04-02</a:t>
             </a:fld>
             <a:endParaRPr lang="ko-KR" altLang="en-US"/>
           </a:p>
@@ -3639,7 +3655,7 @@
             <p:spPr>
               <a:xfrm>
                 <a:off x="2195736" y="2257127"/>
-                <a:ext cx="4663628" cy="276999"/>
+                <a:ext cx="6247804" cy="276999"/>
               </a:xfrm>
               <a:prstGeom prst="rect">
                 <a:avLst/>
@@ -3653,17 +3669,51 @@
               <a:p>
                 <a:r>
                   <a:rPr lang="en-US" altLang="ko-KR" sz="1200" b="1" dirty="0" smtClean="0"/>
-                  <a:t>URL </a:t>
-                </a:r>
-                <a:r>
-                  <a:rPr lang="en-US" altLang="ko-KR" sz="1200" b="1" dirty="0" smtClean="0"/>
-                  <a:t>: </a:t>
+                  <a:t>URL : </a:t>
                 </a:r>
                 <a:r>
                   <a:rPr lang="en-US" altLang="ko-KR" sz="1200" dirty="0" smtClean="0">
                     <a:hlinkClick r:id="rId6"/>
                   </a:rPr>
-                  <a:t>https://youtu.be/PzAKOZgoxSo</a:t>
+                  <a:t>https://</a:t>
+                </a:r>
+                <a:r>
+                  <a:rPr lang="en-US" altLang="ko-KR" sz="1200" dirty="0" smtClean="0">
+                    <a:hlinkClick r:id="rId6"/>
+                  </a:rPr>
+                  <a:t>youtu.be/PzAKOZgoxSo</a:t>
+                </a:r>
+                <a:r>
+                  <a:rPr lang="en-US" altLang="ko-KR" sz="1200" dirty="0" smtClean="0"/>
+                  <a:t> (</a:t>
+                </a:r>
+                <a:r>
+                  <a:rPr lang="en-US" altLang="ko-KR" sz="1200" dirty="0" smtClean="0"/>
+                  <a:t>+</a:t>
+                </a:r>
+                <a:r>
+                  <a:rPr lang="ko-KR" altLang="en-US" sz="1200" dirty="0" smtClean="0"/>
+                  <a:t>코드 시연 </a:t>
+                </a:r>
+                <a:r>
+                  <a:rPr lang="en-US" altLang="ko-KR" sz="1200" dirty="0" smtClean="0"/>
+                  <a:t>: </a:t>
+                </a:r>
+                <a:r>
+                  <a:rPr lang="en-US" altLang="ko-KR" sz="1200" dirty="0">
+                    <a:hlinkClick r:id="rId7"/>
+                  </a:rPr>
+                  <a:t>https://</a:t>
+                </a:r>
+                <a:r>
+                  <a:rPr lang="en-US" altLang="ko-KR" sz="1200" dirty="0" smtClean="0">
+                    <a:hlinkClick r:id="rId7"/>
+                  </a:rPr>
+                  <a:t>youtu.be/qPq952NUzd8</a:t>
+                </a:r>
+                <a:r>
+                  <a:rPr lang="en-US" altLang="ko-KR" sz="1200" dirty="0" smtClean="0"/>
+                  <a:t>)</a:t>
                 </a:r>
                 <a:r>
                   <a:rPr lang="en-US" altLang="ko-KR" sz="1200" b="1" dirty="0" smtClean="0"/>
@@ -3732,7 +3782,7 @@
             <p:nvPr/>
           </p:nvPicPr>
           <p:blipFill>
-            <a:blip r:embed="rId7" cstate="print"/>
+            <a:blip r:embed="rId8" cstate="print"/>
             <a:srcRect/>
             <a:stretch>
               <a:fillRect/>
@@ -4069,15 +4119,11 @@
               <a:p>
                 <a:r>
                   <a:rPr lang="en-US" altLang="ko-KR" sz="1200" b="1" dirty="0" smtClean="0"/>
-                  <a:t>URL </a:t>
-                </a:r>
-                <a:r>
-                  <a:rPr lang="en-US" altLang="ko-KR" sz="1200" b="1" dirty="0" smtClean="0"/>
-                  <a:t>: </a:t>
+                  <a:t>URL : </a:t>
                 </a:r>
                 <a:r>
                   <a:rPr lang="en-US" altLang="ko-KR" sz="1200" dirty="0" smtClean="0">
-                    <a:hlinkClick r:id="rId8"/>
+                    <a:hlinkClick r:id="rId9"/>
                   </a:rPr>
                   <a:t>https://youtu.be/b08xmOZQed8</a:t>
                 </a:r>
@@ -4148,7 +4194,7 @@
             <p:nvPr/>
           </p:nvPicPr>
           <p:blipFill>
-            <a:blip r:embed="rId7" cstate="print"/>
+            <a:blip r:embed="rId8" cstate="print"/>
             <a:srcRect/>
             <a:stretch>
               <a:fillRect/>
@@ -4354,7 +4400,7 @@
           <p:nvPr/>
         </p:nvPicPr>
         <p:blipFill>
-          <a:blip r:embed="rId9" cstate="print"/>
+          <a:blip r:embed="rId10" cstate="print"/>
           <a:srcRect/>
           <a:stretch>
             <a:fillRect/>
@@ -4641,15 +4687,11 @@
               <a:p>
                 <a:r>
                   <a:rPr lang="en-US" altLang="ko-KR" sz="1200" b="1" dirty="0" smtClean="0"/>
-                  <a:t>URL </a:t>
-                </a:r>
-                <a:r>
-                  <a:rPr lang="en-US" altLang="ko-KR" sz="1200" b="1" dirty="0" smtClean="0"/>
-                  <a:t>: </a:t>
+                  <a:t>URL : </a:t>
                 </a:r>
                 <a:r>
                   <a:rPr lang="en-US" altLang="ko-KR" sz="1200" dirty="0" smtClean="0">
-                    <a:hlinkClick r:id="rId10"/>
+                    <a:hlinkClick r:id="rId11"/>
                   </a:rPr>
                   <a:t>https://youtu.be/fwmCOd61gZk</a:t>
                 </a:r>
@@ -4671,7 +4713,7 @@
             <p:nvPr/>
           </p:nvPicPr>
           <p:blipFill>
-            <a:blip r:embed="rId7" cstate="print"/>
+            <a:blip r:embed="rId8" cstate="print"/>
             <a:srcRect/>
             <a:stretch>
               <a:fillRect/>
@@ -5060,7 +5102,7 @@
           <p:nvPr/>
         </p:nvPicPr>
         <p:blipFill>
-          <a:blip r:embed="rId9" cstate="print"/>
+          <a:blip r:embed="rId10" cstate="print"/>
           <a:srcRect/>
           <a:stretch>
             <a:fillRect/>
@@ -5092,7 +5134,7 @@
           <p:nvPr/>
         </p:nvPicPr>
         <p:blipFill>
-          <a:blip r:embed="rId9" cstate="print"/>
+          <a:blip r:embed="rId10" cstate="print"/>
           <a:srcRect/>
           <a:stretch>
             <a:fillRect/>
@@ -5124,7 +5166,7 @@
           <p:nvPr/>
         </p:nvPicPr>
         <p:blipFill>
-          <a:blip r:embed="rId9" cstate="print"/>
+          <a:blip r:embed="rId10" cstate="print"/>
           <a:srcRect/>
           <a:stretch>
             <a:fillRect/>
@@ -5392,15 +5434,11 @@
               <a:p>
                 <a:r>
                   <a:rPr lang="en-US" altLang="ko-KR" sz="1200" b="1" dirty="0" smtClean="0"/>
-                  <a:t>URL </a:t>
-                </a:r>
-                <a:r>
-                  <a:rPr lang="en-US" altLang="ko-KR" sz="1200" b="1" dirty="0" smtClean="0"/>
-                  <a:t>: </a:t>
+                  <a:t>URL : </a:t>
                 </a:r>
                 <a:r>
                   <a:rPr lang="en-US" altLang="ko-KR" sz="1200" dirty="0" smtClean="0">
-                    <a:hlinkClick r:id="rId11"/>
+                    <a:hlinkClick r:id="rId12"/>
                   </a:rPr>
                   <a:t>https://youtu.be/36C4Imervy4</a:t>
                 </a:r>
@@ -5471,7 +5509,7 @@
             <p:nvPr/>
           </p:nvPicPr>
           <p:blipFill>
-            <a:blip r:embed="rId7" cstate="print"/>
+            <a:blip r:embed="rId8" cstate="print"/>
             <a:srcRect/>
             <a:stretch>
               <a:fillRect/>
@@ -5715,7 +5753,7 @@
           <p:nvPr/>
         </p:nvPicPr>
         <p:blipFill>
-          <a:blip r:embed="rId9" cstate="print"/>
+          <a:blip r:embed="rId10" cstate="print"/>
           <a:srcRect/>
           <a:stretch>
             <a:fillRect/>
@@ -6466,11 +6504,7 @@
               <a:p>
                 <a:r>
                   <a:rPr lang="en-US" altLang="ko-KR" sz="1200" b="1" dirty="0" smtClean="0"/>
-                  <a:t>URL </a:t>
-                </a:r>
-                <a:r>
-                  <a:rPr lang="en-US" altLang="ko-KR" sz="1200" b="1" dirty="0" smtClean="0"/>
-                  <a:t>: </a:t>
+                  <a:t>URL : </a:t>
                 </a:r>
                 <a:r>
                   <a:rPr lang="en-US" altLang="ko-KR" sz="1200" dirty="0" smtClean="0">
@@ -6614,7 +6648,7 @@
           <p:spPr>
             <a:xfrm>
               <a:off x="2267744" y="1340768"/>
-              <a:ext cx="3528392" cy="1169551"/>
+              <a:ext cx="5599732" cy="954107"/>
             </a:xfrm>
             <a:prstGeom prst="rect">
               <a:avLst/>
@@ -7063,8 +7097,8 @@
             </p:nvSpPr>
             <p:spPr>
               <a:xfrm>
-                <a:off x="2178720" y="2264173"/>
-                <a:ext cx="5095676" cy="276999"/>
+                <a:off x="2178719" y="2264173"/>
+                <a:ext cx="6476387" cy="276999"/>
               </a:xfrm>
               <a:prstGeom prst="rect">
                 <a:avLst/>
@@ -7078,17 +7112,51 @@
               <a:p>
                 <a:r>
                   <a:rPr lang="en-US" altLang="ko-KR" sz="1200" b="1" dirty="0" smtClean="0"/>
-                  <a:t>URL </a:t>
-                </a:r>
-                <a:r>
-                  <a:rPr lang="en-US" altLang="ko-KR" sz="1200" b="1" dirty="0" smtClean="0"/>
-                  <a:t>: </a:t>
+                  <a:t>URL : </a:t>
                 </a:r>
                 <a:r>
                   <a:rPr lang="en-US" altLang="ko-KR" sz="1200" dirty="0" smtClean="0">
                     <a:hlinkClick r:id="rId9"/>
                   </a:rPr>
-                  <a:t>https://youtu.be/Re5HlTJrN0g</a:t>
+                  <a:t>https://</a:t>
+                </a:r>
+                <a:r>
+                  <a:rPr lang="en-US" altLang="ko-KR" sz="1200" dirty="0" smtClean="0">
+                    <a:hlinkClick r:id="rId9"/>
+                  </a:rPr>
+                  <a:t>youtu.be/Re5HlTJrN0g</a:t>
+                </a:r>
+                <a:r>
+                  <a:rPr lang="en-US" altLang="ko-KR" sz="1200" dirty="0" smtClean="0"/>
+                  <a:t> (+</a:t>
+                </a:r>
+                <a:r>
+                  <a:rPr lang="ko-KR" altLang="en-US" sz="1200" dirty="0" smtClean="0"/>
+                  <a:t>코드 시연 </a:t>
+                </a:r>
+                <a:r>
+                  <a:rPr lang="en-US" altLang="ko-KR" sz="1200" dirty="0" smtClean="0"/>
+                  <a:t>: </a:t>
+                </a:r>
+                <a:r>
+                  <a:rPr lang="en-US" altLang="ko-KR" sz="1200" dirty="0" smtClean="0">
+                    <a:hlinkClick r:id="rId10"/>
+                  </a:rPr>
+                  <a:t>https</a:t>
+                </a:r>
+                <a:r>
+                  <a:rPr lang="en-US" altLang="ko-KR" sz="1200" dirty="0">
+                    <a:hlinkClick r:id="rId10"/>
+                  </a:rPr>
+                  <a:t>://youtu.be/jJpUgHfOPm8</a:t>
+                </a:r>
+                <a:r>
+                  <a:rPr lang="en-US" altLang="ko-KR" sz="1200" dirty="0" smtClean="0"/>
+                  <a:t>) </a:t>
+                </a:r>
+                <a:r>
+                  <a:rPr lang="ko-KR" altLang="en-US" sz="1200" dirty="0" smtClean="0"/>
+                  <a:t> </a:t>
                 </a:r>
                 <a:r>
                   <a:rPr lang="en-US" altLang="ko-KR" sz="1200" b="1" dirty="0" smtClean="0"/>
@@ -7244,33 +7312,101 @@
               </a:pPr>
               <a:r>
                 <a:rPr lang="ko-KR" altLang="en-US" sz="1400" b="1" dirty="0" smtClean="0"/>
-                <a:t> 로그인한 중개인이 등록한 매물 조회</a:t>
+                <a:t> </a:t>
               </a:r>
               <a:r>
-                <a:rPr lang="en-US" altLang="ko-KR" sz="1400" b="1" dirty="0" smtClean="0"/>
+                <a:rPr lang="ko-KR" altLang="en-US" sz="1400" b="1" u="sng" dirty="0" smtClean="0">
+                  <a:effectLst>
+                    <a:outerShdw blurRad="38100" dist="38100" dir="2700000" algn="tl">
+                      <a:srgbClr val="000000">
+                        <a:alpha val="43137"/>
+                      </a:srgbClr>
+                    </a:outerShdw>
+                  </a:effectLst>
+                </a:rPr>
+                <a:t>로그인한 중개인이 등록한 매물 조회</a:t>
+              </a:r>
+              <a:r>
+                <a:rPr lang="en-US" altLang="ko-KR" sz="1400" b="1" u="sng" dirty="0" smtClean="0">
+                  <a:effectLst>
+                    <a:outerShdw blurRad="38100" dist="38100" dir="2700000" algn="tl">
+                      <a:srgbClr val="000000">
+                        <a:alpha val="43137"/>
+                      </a:srgbClr>
+                    </a:outerShdw>
+                  </a:effectLst>
+                </a:rPr>
                 <a:t>/</a:t>
               </a:r>
               <a:r>
-                <a:rPr lang="ko-KR" altLang="en-US" sz="1400" b="1" dirty="0" smtClean="0"/>
+                <a:rPr lang="ko-KR" altLang="en-US" sz="1400" b="1" u="sng" dirty="0" smtClean="0">
+                  <a:effectLst>
+                    <a:outerShdw blurRad="38100" dist="38100" dir="2700000" algn="tl">
+                      <a:srgbClr val="000000">
+                        <a:alpha val="43137"/>
+                      </a:srgbClr>
+                    </a:outerShdw>
+                  </a:effectLst>
+                </a:rPr>
                 <a:t>수정</a:t>
               </a:r>
               <a:r>
-                <a:rPr lang="en-US" altLang="ko-KR" sz="1400" b="1" dirty="0" smtClean="0"/>
+                <a:rPr lang="en-US" altLang="ko-KR" sz="1400" b="1" u="sng" dirty="0" smtClean="0">
+                  <a:effectLst>
+                    <a:outerShdw blurRad="38100" dist="38100" dir="2700000" algn="tl">
+                      <a:srgbClr val="000000">
+                        <a:alpha val="43137"/>
+                      </a:srgbClr>
+                    </a:outerShdw>
+                  </a:effectLst>
+                </a:rPr>
                 <a:t>/</a:t>
               </a:r>
               <a:r>
-                <a:rPr lang="ko-KR" altLang="en-US" sz="1400" b="1" dirty="0" smtClean="0"/>
+                <a:rPr lang="ko-KR" altLang="en-US" sz="1400" b="1" u="sng" dirty="0" smtClean="0">
+                  <a:effectLst>
+                    <a:outerShdw blurRad="38100" dist="38100" dir="2700000" algn="tl">
+                      <a:srgbClr val="000000">
+                        <a:alpha val="43137"/>
+                      </a:srgbClr>
+                    </a:outerShdw>
+                  </a:effectLst>
+                </a:rPr>
                 <a:t>삭제</a:t>
               </a:r>
               <a:r>
-                <a:rPr lang="en-US" altLang="ko-KR" sz="1400" b="1" dirty="0" smtClean="0"/>
+                <a:rPr lang="en-US" altLang="ko-KR" sz="1400" b="1" u="sng" dirty="0" smtClean="0">
+                  <a:effectLst>
+                    <a:outerShdw blurRad="38100" dist="38100" dir="2700000" algn="tl">
+                      <a:srgbClr val="000000">
+                        <a:alpha val="43137"/>
+                      </a:srgbClr>
+                    </a:outerShdw>
+                  </a:effectLst>
+                </a:rPr>
                 <a:t>/</a:t>
               </a:r>
               <a:r>
-                <a:rPr lang="ko-KR" altLang="en-US" sz="1400" b="1" dirty="0" smtClean="0"/>
+                <a:rPr lang="ko-KR" altLang="en-US" sz="1400" b="1" u="sng" dirty="0" smtClean="0">
+                  <a:effectLst>
+                    <a:outerShdw blurRad="38100" dist="38100" dir="2700000" algn="tl">
+                      <a:srgbClr val="000000">
+                        <a:alpha val="43137"/>
+                      </a:srgbClr>
+                    </a:outerShdw>
+                  </a:effectLst>
+                </a:rPr>
                 <a:t>등록</a:t>
               </a:r>
-              <a:endParaRPr lang="en-US" altLang="ko-KR" sz="1400" dirty="0" smtClean="0"/>
+              <a:endParaRPr lang="en-US" altLang="ko-KR" sz="1400" u="sng" dirty="0" smtClean="0">
+                <a:effectLst>
+                  <a:outerShdw blurRad="38100" dist="38100" dir="2700000" algn="tl">
+                    <a:srgbClr val="000000">
+                      <a:alpha val="43137"/>
+                    </a:srgbClr>
+                  </a:outerShdw>
+                </a:effectLst>
+              </a:endParaRPr>
             </a:p>
             <a:p>
               <a:pPr>
@@ -13856,7 +13992,7 @@
           <p:nvPr>
             <p:extLst>
               <p:ext uri="{D42A27DB-BD31-4B8C-83A1-F6EECF244321}">
-                <p14:modId xmlns="" xmlns:p14="http://schemas.microsoft.com/office/powerpoint/2010/main" val="3464747039"/>
+                <p14:modId xmlns:p14="http://schemas.microsoft.com/office/powerpoint/2010/main" val="3464747039"/>
               </p:ext>
             </p:extLst>
           </p:nvPr>
@@ -13872,19 +14008,97 @@
                 <a:tableStyleId>{5C22544A-7EE6-4342-B048-85BDC9FD1C3A}</a:tableStyleId>
               </a:tblPr>
               <a:tblGrid>
-                <a:gridCol w="1769051"/>
-                <a:gridCol w="621272"/>
-                <a:gridCol w="621272"/>
-                <a:gridCol w="621272"/>
-                <a:gridCol w="621272"/>
-                <a:gridCol w="621272"/>
-                <a:gridCol w="621272"/>
-                <a:gridCol w="310636"/>
-                <a:gridCol w="310636"/>
-                <a:gridCol w="640233"/>
-                <a:gridCol w="621272"/>
-                <a:gridCol w="621272"/>
-                <a:gridCol w="640235"/>
+                <a:gridCol w="1769051">
+                  <a:extLst>
+                    <a:ext uri="{9D8B030D-6E8A-4147-A177-3AD203B41FA5}">
+                      <a16:colId xmlns:a16="http://schemas.microsoft.com/office/drawing/2014/main" val="20000"/>
+                    </a:ext>
+                  </a:extLst>
+                </a:gridCol>
+                <a:gridCol w="621272">
+                  <a:extLst>
+                    <a:ext uri="{9D8B030D-6E8A-4147-A177-3AD203B41FA5}">
+                      <a16:colId xmlns:a16="http://schemas.microsoft.com/office/drawing/2014/main" val="20001"/>
+                    </a:ext>
+                  </a:extLst>
+                </a:gridCol>
+                <a:gridCol w="621272">
+                  <a:extLst>
+                    <a:ext uri="{9D8B030D-6E8A-4147-A177-3AD203B41FA5}">
+                      <a16:colId xmlns:a16="http://schemas.microsoft.com/office/drawing/2014/main" val="20002"/>
+                    </a:ext>
+                  </a:extLst>
+                </a:gridCol>
+                <a:gridCol w="621272">
+                  <a:extLst>
+                    <a:ext uri="{9D8B030D-6E8A-4147-A177-3AD203B41FA5}">
+                      <a16:colId xmlns:a16="http://schemas.microsoft.com/office/drawing/2014/main" val="20003"/>
+                    </a:ext>
+                  </a:extLst>
+                </a:gridCol>
+                <a:gridCol w="621272">
+                  <a:extLst>
+                    <a:ext uri="{9D8B030D-6E8A-4147-A177-3AD203B41FA5}">
+                      <a16:colId xmlns:a16="http://schemas.microsoft.com/office/drawing/2014/main" val="20004"/>
+                    </a:ext>
+                  </a:extLst>
+                </a:gridCol>
+                <a:gridCol w="621272">
+                  <a:extLst>
+                    <a:ext uri="{9D8B030D-6E8A-4147-A177-3AD203B41FA5}">
+                      <a16:colId xmlns:a16="http://schemas.microsoft.com/office/drawing/2014/main" val="20005"/>
+                    </a:ext>
+                  </a:extLst>
+                </a:gridCol>
+                <a:gridCol w="621272">
+                  <a:extLst>
+                    <a:ext uri="{9D8B030D-6E8A-4147-A177-3AD203B41FA5}">
+                      <a16:colId xmlns:a16="http://schemas.microsoft.com/office/drawing/2014/main" val="20006"/>
+                    </a:ext>
+                  </a:extLst>
+                </a:gridCol>
+                <a:gridCol w="310636">
+                  <a:extLst>
+                    <a:ext uri="{9D8B030D-6E8A-4147-A177-3AD203B41FA5}">
+                      <a16:colId xmlns:a16="http://schemas.microsoft.com/office/drawing/2014/main" val="20007"/>
+                    </a:ext>
+                  </a:extLst>
+                </a:gridCol>
+                <a:gridCol w="310636">
+                  <a:extLst>
+                    <a:ext uri="{9D8B030D-6E8A-4147-A177-3AD203B41FA5}">
+                      <a16:colId xmlns:a16="http://schemas.microsoft.com/office/drawing/2014/main" val="20008"/>
+                    </a:ext>
+                  </a:extLst>
+                </a:gridCol>
+                <a:gridCol w="640233">
+                  <a:extLst>
+                    <a:ext uri="{9D8B030D-6E8A-4147-A177-3AD203B41FA5}">
+                      <a16:colId xmlns:a16="http://schemas.microsoft.com/office/drawing/2014/main" val="20009"/>
+                    </a:ext>
+                  </a:extLst>
+                </a:gridCol>
+                <a:gridCol w="621272">
+                  <a:extLst>
+                    <a:ext uri="{9D8B030D-6E8A-4147-A177-3AD203B41FA5}">
+                      <a16:colId xmlns:a16="http://schemas.microsoft.com/office/drawing/2014/main" val="20010"/>
+                    </a:ext>
+                  </a:extLst>
+                </a:gridCol>
+                <a:gridCol w="621272">
+                  <a:extLst>
+                    <a:ext uri="{9D8B030D-6E8A-4147-A177-3AD203B41FA5}">
+                      <a16:colId xmlns:a16="http://schemas.microsoft.com/office/drawing/2014/main" val="20011"/>
+                    </a:ext>
+                  </a:extLst>
+                </a:gridCol>
+                <a:gridCol w="640235">
+                  <a:extLst>
+                    <a:ext uri="{9D8B030D-6E8A-4147-A177-3AD203B41FA5}">
+                      <a16:colId xmlns:a16="http://schemas.microsoft.com/office/drawing/2014/main" val="20012"/>
+                    </a:ext>
+                  </a:extLst>
+                </a:gridCol>
               </a:tblGrid>
               <a:tr h="349486">
                 <a:tc>
@@ -14135,6 +14349,11 @@
                     </a:solidFill>
                   </a:tcPr>
                 </a:tc>
+                <a:extLst>
+                  <a:ext uri="{0D108BD9-81ED-4DB2-BD59-A6C34878D82A}">
+                    <a16:rowId xmlns:a16="http://schemas.microsoft.com/office/drawing/2014/main" val="10000"/>
+                  </a:ext>
+                </a:extLst>
               </a:tr>
               <a:tr h="320362">
                 <a:tc>
@@ -14981,6 +15200,11 @@
                     </a:solidFill>
                   </a:tcPr>
                 </a:tc>
+                <a:extLst>
+                  <a:ext uri="{0D108BD9-81ED-4DB2-BD59-A6C34878D82A}">
+                    <a16:rowId xmlns:a16="http://schemas.microsoft.com/office/drawing/2014/main" val="10001"/>
+                  </a:ext>
+                </a:extLst>
               </a:tr>
               <a:tr h="336834">
                 <a:tc>
@@ -15778,6 +16002,11 @@
                     </a:solidFill>
                   </a:tcPr>
                 </a:tc>
+                <a:extLst>
+                  <a:ext uri="{0D108BD9-81ED-4DB2-BD59-A6C34878D82A}">
+                    <a16:rowId xmlns:a16="http://schemas.microsoft.com/office/drawing/2014/main" val="10002"/>
+                  </a:ext>
+                </a:extLst>
               </a:tr>
               <a:tr h="336834">
                 <a:tc>
@@ -16582,6 +16811,11 @@
                     </a:solidFill>
                   </a:tcPr>
                 </a:tc>
+                <a:extLst>
+                  <a:ext uri="{0D108BD9-81ED-4DB2-BD59-A6C34878D82A}">
+                    <a16:rowId xmlns:a16="http://schemas.microsoft.com/office/drawing/2014/main" val="10003"/>
+                  </a:ext>
+                </a:extLst>
               </a:tr>
               <a:tr h="393172">
                 <a:tc>
@@ -17397,6 +17631,11 @@
                     </a:solidFill>
                   </a:tcPr>
                 </a:tc>
+                <a:extLst>
+                  <a:ext uri="{0D108BD9-81ED-4DB2-BD59-A6C34878D82A}">
+                    <a16:rowId xmlns:a16="http://schemas.microsoft.com/office/drawing/2014/main" val="10004"/>
+                  </a:ext>
+                </a:extLst>
               </a:tr>
               <a:tr h="336834">
                 <a:tc>
@@ -18220,6 +18459,11 @@
                     </a:solidFill>
                   </a:tcPr>
                 </a:tc>
+                <a:extLst>
+                  <a:ext uri="{0D108BD9-81ED-4DB2-BD59-A6C34878D82A}">
+                    <a16:rowId xmlns:a16="http://schemas.microsoft.com/office/drawing/2014/main" val="10005"/>
+                  </a:ext>
+                </a:extLst>
               </a:tr>
               <a:tr h="336834">
                 <a:tc>
@@ -19015,6 +19259,11 @@
                     </a:solidFill>
                   </a:tcPr>
                 </a:tc>
+                <a:extLst>
+                  <a:ext uri="{0D108BD9-81ED-4DB2-BD59-A6C34878D82A}">
+                    <a16:rowId xmlns:a16="http://schemas.microsoft.com/office/drawing/2014/main" val="10006"/>
+                  </a:ext>
+                </a:extLst>
               </a:tr>
               <a:tr h="336834">
                 <a:tc>
@@ -19824,6 +20073,11 @@
                     </a:solidFill>
                   </a:tcPr>
                 </a:tc>
+                <a:extLst>
+                  <a:ext uri="{0D108BD9-81ED-4DB2-BD59-A6C34878D82A}">
+                    <a16:rowId xmlns:a16="http://schemas.microsoft.com/office/drawing/2014/main" val="10007"/>
+                  </a:ext>
+                </a:extLst>
               </a:tr>
               <a:tr h="336834">
                 <a:tc>
@@ -20633,6 +20887,11 @@
                     </a:solidFill>
                   </a:tcPr>
                 </a:tc>
+                <a:extLst>
+                  <a:ext uri="{0D108BD9-81ED-4DB2-BD59-A6C34878D82A}">
+                    <a16:rowId xmlns:a16="http://schemas.microsoft.com/office/drawing/2014/main" val="10008"/>
+                  </a:ext>
+                </a:extLst>
               </a:tr>
               <a:tr h="336834">
                 <a:tc>
@@ -21426,6 +21685,11 @@
                     </a:solidFill>
                   </a:tcPr>
                 </a:tc>
+                <a:extLst>
+                  <a:ext uri="{0D108BD9-81ED-4DB2-BD59-A6C34878D82A}">
+                    <a16:rowId xmlns:a16="http://schemas.microsoft.com/office/drawing/2014/main" val="10009"/>
+                  </a:ext>
+                </a:extLst>
               </a:tr>
               <a:tr h="336834">
                 <a:tc>
@@ -22219,6 +22483,11 @@
                     </a:solidFill>
                   </a:tcPr>
                 </a:tc>
+                <a:extLst>
+                  <a:ext uri="{0D108BD9-81ED-4DB2-BD59-A6C34878D82A}">
+                    <a16:rowId xmlns:a16="http://schemas.microsoft.com/office/drawing/2014/main" val="10010"/>
+                  </a:ext>
+                </a:extLst>
               </a:tr>
               <a:tr h="336834">
                 <a:tc>
@@ -23006,6 +23275,11 @@
                     </a:solidFill>
                   </a:tcPr>
                 </a:tc>
+                <a:extLst>
+                  <a:ext uri="{0D108BD9-81ED-4DB2-BD59-A6C34878D82A}">
+                    <a16:rowId xmlns:a16="http://schemas.microsoft.com/office/drawing/2014/main" val="10011"/>
+                  </a:ext>
+                </a:extLst>
               </a:tr>
               <a:tr h="336834">
                 <a:tc>
@@ -23797,6 +24071,11 @@
                     </a:solidFill>
                   </a:tcPr>
                 </a:tc>
+                <a:extLst>
+                  <a:ext uri="{0D108BD9-81ED-4DB2-BD59-A6C34878D82A}">
+                    <a16:rowId xmlns:a16="http://schemas.microsoft.com/office/drawing/2014/main" val="10012"/>
+                  </a:ext>
+                </a:extLst>
               </a:tr>
             </a:tbl>
           </a:graphicData>

--- a/sabang.pptx
+++ b/sabang.pptx
@@ -12,7 +12,7 @@
     <p:sldId id="270" r:id="rId6"/>
     <p:sldId id="268" r:id="rId7"/>
     <p:sldId id="269" r:id="rId8"/>
-    <p:sldId id="271" r:id="rId9"/>
+    <p:sldId id="276" r:id="rId9"/>
     <p:sldId id="273" r:id="rId10"/>
     <p:sldId id="274" r:id="rId11"/>
     <p:sldId id="275" r:id="rId12"/>
@@ -118,7 +118,7 @@
   </p:defaultTextStyle>
   <p:extLst>
     <p:ext uri="{EFAFB233-063F-42B5-8137-9DF3F51BA10A}">
-      <p15:sldGuideLst xmlns:p15="http://schemas.microsoft.com/office/powerpoint/2012/main">
+      <p15:sldGuideLst xmlns:p15="http://schemas.microsoft.com/office/powerpoint/2012/main" xmlns="">
         <p15:guide id="1" orient="horz" pos="2160">
           <p15:clr>
             <a:srgbClr val="A4A3A4"/>
@@ -164,7 +164,7 @@
         </p:nvSpPr>
         <p:spPr>
           <a:xfrm>
-            <a:off x="685800" y="2130425"/>
+            <a:off x="685800" y="2130427"/>
             <a:ext cx="7772400" cy="1470025"/>
           </a:xfrm>
         </p:spPr>
@@ -317,7 +317,7 @@
             <a:fld id="{6CAC7663-7B7A-480C-B9C4-87C7C8CFBEE8}" type="datetimeFigureOut">
               <a:rPr lang="ko-KR" altLang="en-US" smtClean="0"/>
               <a:pPr/>
-              <a:t>2019-04-02</a:t>
+              <a:t>2019-04-17</a:t>
             </a:fld>
             <a:endParaRPr lang="ko-KR" altLang="en-US"/>
           </a:p>
@@ -484,7 +484,7 @@
             <a:fld id="{6CAC7663-7B7A-480C-B9C4-87C7C8CFBEE8}" type="datetimeFigureOut">
               <a:rPr lang="ko-KR" altLang="en-US" smtClean="0"/>
               <a:pPr/>
-              <a:t>2019-04-02</a:t>
+              <a:t>2019-04-17</a:t>
             </a:fld>
             <a:endParaRPr lang="ko-KR" altLang="en-US"/>
           </a:p>
@@ -570,7 +570,7 @@
         </p:nvSpPr>
         <p:spPr>
           <a:xfrm>
-            <a:off x="6629400" y="274638"/>
+            <a:off x="6629400" y="274639"/>
             <a:ext cx="2057400" cy="5851525"/>
           </a:xfrm>
         </p:spPr>
@@ -598,7 +598,7 @@
         </p:nvSpPr>
         <p:spPr>
           <a:xfrm>
-            <a:off x="457200" y="274638"/>
+            <a:off x="457200" y="274639"/>
             <a:ext cx="6019800" cy="5851525"/>
           </a:xfrm>
         </p:spPr>
@@ -661,7 +661,7 @@
             <a:fld id="{6CAC7663-7B7A-480C-B9C4-87C7C8CFBEE8}" type="datetimeFigureOut">
               <a:rPr lang="ko-KR" altLang="en-US" smtClean="0"/>
               <a:pPr/>
-              <a:t>2019-04-02</a:t>
+              <a:t>2019-04-17</a:t>
             </a:fld>
             <a:endParaRPr lang="ko-KR" altLang="en-US"/>
           </a:p>
@@ -828,7 +828,7 @@
             <a:fld id="{6CAC7663-7B7A-480C-B9C4-87C7C8CFBEE8}" type="datetimeFigureOut">
               <a:rPr lang="ko-KR" altLang="en-US" smtClean="0"/>
               <a:pPr/>
-              <a:t>2019-04-02</a:t>
+              <a:t>2019-04-17</a:t>
             </a:fld>
             <a:endParaRPr lang="ko-KR" altLang="en-US"/>
           </a:p>
@@ -914,8 +914,8 @@
         </p:nvSpPr>
         <p:spPr>
           <a:xfrm>
-            <a:off x="722313" y="4406900"/>
-            <a:ext cx="7772400" cy="1362075"/>
+            <a:off x="722313" y="4406901"/>
+            <a:ext cx="7772400" cy="1362076"/>
           </a:xfrm>
         </p:spPr>
         <p:txBody>
@@ -1071,7 +1071,7 @@
             <a:fld id="{6CAC7663-7B7A-480C-B9C4-87C7C8CFBEE8}" type="datetimeFigureOut">
               <a:rPr lang="ko-KR" altLang="en-US" smtClean="0"/>
               <a:pPr/>
-              <a:t>2019-04-02</a:t>
+              <a:t>2019-04-17</a:t>
             </a:fld>
             <a:endParaRPr lang="ko-KR" altLang="en-US"/>
           </a:p>
@@ -1356,7 +1356,7 @@
             <a:fld id="{6CAC7663-7B7A-480C-B9C4-87C7C8CFBEE8}" type="datetimeFigureOut">
               <a:rPr lang="ko-KR" altLang="en-US" smtClean="0"/>
               <a:pPr/>
-              <a:t>2019-04-02</a:t>
+              <a:t>2019-04-17</a:t>
             </a:fld>
             <a:endParaRPr lang="ko-KR" altLang="en-US"/>
           </a:p>
@@ -1469,7 +1469,7 @@
         </p:nvSpPr>
         <p:spPr>
           <a:xfrm>
-            <a:off x="457200" y="1535113"/>
+            <a:off x="457200" y="1535114"/>
             <a:ext cx="4040188" cy="639762"/>
           </a:xfrm>
         </p:spPr>
@@ -1619,7 +1619,7 @@
         </p:nvSpPr>
         <p:spPr>
           <a:xfrm>
-            <a:off x="4645025" y="1535113"/>
+            <a:off x="4645027" y="1535114"/>
             <a:ext cx="4041775" cy="639762"/>
           </a:xfrm>
         </p:spPr>
@@ -1684,7 +1684,7 @@
         </p:nvSpPr>
         <p:spPr>
           <a:xfrm>
-            <a:off x="4645025" y="2174875"/>
+            <a:off x="4645027" y="2174875"/>
             <a:ext cx="4041775" cy="3951288"/>
           </a:xfrm>
         </p:spPr>
@@ -1775,7 +1775,7 @@
             <a:fld id="{6CAC7663-7B7A-480C-B9C4-87C7C8CFBEE8}" type="datetimeFigureOut">
               <a:rPr lang="ko-KR" altLang="en-US" smtClean="0"/>
               <a:pPr/>
-              <a:t>2019-04-02</a:t>
+              <a:t>2019-04-17</a:t>
             </a:fld>
             <a:endParaRPr lang="ko-KR" altLang="en-US"/>
           </a:p>
@@ -1890,7 +1890,7 @@
             <a:fld id="{6CAC7663-7B7A-480C-B9C4-87C7C8CFBEE8}" type="datetimeFigureOut">
               <a:rPr lang="ko-KR" altLang="en-US" smtClean="0"/>
               <a:pPr/>
-              <a:t>2019-04-02</a:t>
+              <a:t>2019-04-17</a:t>
             </a:fld>
             <a:endParaRPr lang="ko-KR" altLang="en-US"/>
           </a:p>
@@ -1982,7 +1982,7 @@
             <a:fld id="{6CAC7663-7B7A-480C-B9C4-87C7C8CFBEE8}" type="datetimeFigureOut">
               <a:rPr lang="ko-KR" altLang="en-US" smtClean="0"/>
               <a:pPr/>
-              <a:t>2019-04-02</a:t>
+              <a:t>2019-04-17</a:t>
             </a:fld>
             <a:endParaRPr lang="ko-KR" altLang="en-US"/>
           </a:p>
@@ -2068,7 +2068,7 @@
         </p:nvSpPr>
         <p:spPr>
           <a:xfrm>
-            <a:off x="457200" y="273050"/>
+            <a:off x="457202" y="273051"/>
             <a:ext cx="3008313" cy="1162050"/>
           </a:xfrm>
         </p:spPr>
@@ -2185,7 +2185,7 @@
         </p:nvSpPr>
         <p:spPr>
           <a:xfrm>
-            <a:off x="457200" y="1435100"/>
+            <a:off x="457202" y="1435101"/>
             <a:ext cx="3008313" cy="4691063"/>
           </a:xfrm>
         </p:spPr>
@@ -2256,7 +2256,7 @@
             <a:fld id="{6CAC7663-7B7A-480C-B9C4-87C7C8CFBEE8}" type="datetimeFigureOut">
               <a:rPr lang="ko-KR" altLang="en-US" smtClean="0"/>
               <a:pPr/>
-              <a:t>2019-04-02</a:t>
+              <a:t>2019-04-17</a:t>
             </a:fld>
             <a:endParaRPr lang="ko-KR" altLang="en-US"/>
           </a:p>
@@ -2506,7 +2506,7 @@
             <a:fld id="{6CAC7663-7B7A-480C-B9C4-87C7C8CFBEE8}" type="datetimeFigureOut">
               <a:rPr lang="ko-KR" altLang="en-US" smtClean="0"/>
               <a:pPr/>
-              <a:t>2019-04-02</a:t>
+              <a:t>2019-04-17</a:t>
             </a:fld>
             <a:endParaRPr lang="ko-KR" altLang="en-US"/>
           </a:p>
@@ -2692,7 +2692,7 @@
         </p:nvSpPr>
         <p:spPr>
           <a:xfrm>
-            <a:off x="457200" y="6356350"/>
+            <a:off x="457200" y="6356352"/>
             <a:ext cx="2133600" cy="365125"/>
           </a:xfrm>
           <a:prstGeom prst="rect">
@@ -2716,7 +2716,7 @@
             <a:fld id="{6CAC7663-7B7A-480C-B9C4-87C7C8CFBEE8}" type="datetimeFigureOut">
               <a:rPr lang="ko-KR" altLang="en-US" smtClean="0"/>
               <a:pPr/>
-              <a:t>2019-04-02</a:t>
+              <a:t>2019-04-17</a:t>
             </a:fld>
             <a:endParaRPr lang="ko-KR" altLang="en-US"/>
           </a:p>
@@ -2734,7 +2734,7 @@
         </p:nvSpPr>
         <p:spPr>
           <a:xfrm>
-            <a:off x="3124200" y="6356350"/>
+            <a:off x="3124200" y="6356352"/>
             <a:ext cx="2895600" cy="365125"/>
           </a:xfrm>
           <a:prstGeom prst="rect">
@@ -2771,7 +2771,7 @@
         </p:nvSpPr>
         <p:spPr>
           <a:xfrm>
-            <a:off x="6553200" y="6356350"/>
+            <a:off x="6553200" y="6356352"/>
             <a:ext cx="2133600" cy="365125"/>
           </a:xfrm>
           <a:prstGeom prst="rect">
@@ -3328,7 +3328,7 @@
         </p:nvSpPr>
         <p:spPr>
           <a:xfrm>
-            <a:off x="4716016" y="260648"/>
+            <a:off x="4716018" y="260648"/>
             <a:ext cx="992579" cy="338554"/>
           </a:xfrm>
           <a:prstGeom prst="rect">
@@ -3367,7 +3367,7 @@
         </p:nvSpPr>
         <p:spPr>
           <a:xfrm>
-            <a:off x="6012160" y="260648"/>
+            <a:off x="6012162" y="260648"/>
             <a:ext cx="1867819" cy="338554"/>
           </a:xfrm>
           <a:prstGeom prst="rect">
@@ -3416,7 +3416,7 @@
         <p:spPr bwMode="auto">
           <a:xfrm>
             <a:off x="7969076" y="188640"/>
-            <a:ext cx="864096" cy="504825"/>
+            <a:ext cx="864096" cy="504826"/>
           </a:xfrm>
           <a:prstGeom prst="rect">
             <a:avLst/>
@@ -3438,7 +3438,7 @@
         </p:nvSpPr>
         <p:spPr>
           <a:xfrm>
-            <a:off x="8100392" y="260648"/>
+            <a:off x="8100394" y="260648"/>
             <a:ext cx="588623" cy="338554"/>
           </a:xfrm>
           <a:prstGeom prst="rect">
@@ -3609,7 +3609,7 @@
               <p:spPr>
                 <a:xfrm>
                   <a:off x="509889" y="1881110"/>
-                  <a:ext cx="2806118" cy="439682"/>
+                  <a:ext cx="2806118" cy="439681"/>
                 </a:xfrm>
                 <a:prstGeom prst="rect">
                   <a:avLst/>
@@ -3654,7 +3654,7 @@
             </p:nvSpPr>
             <p:spPr>
               <a:xfrm>
-                <a:off x="2195736" y="2257127"/>
+                <a:off x="2195736" y="2257126"/>
                 <a:ext cx="6247804" cy="276999"/>
               </a:xfrm>
               <a:prstGeom prst="rect">
@@ -3675,21 +3675,11 @@
                   <a:rPr lang="en-US" altLang="ko-KR" sz="1200" dirty="0" smtClean="0">
                     <a:hlinkClick r:id="rId6"/>
                   </a:rPr>
-                  <a:t>https://</a:t>
-                </a:r>
-                <a:r>
-                  <a:rPr lang="en-US" altLang="ko-KR" sz="1200" dirty="0" smtClean="0">
-                    <a:hlinkClick r:id="rId6"/>
-                  </a:rPr>
-                  <a:t>youtu.be/PzAKOZgoxSo</a:t>
+                  <a:t>https://youtu.be/PzAKOZgoxSo</a:t>
                 </a:r>
                 <a:r>
                   <a:rPr lang="en-US" altLang="ko-KR" sz="1200" dirty="0" smtClean="0"/>
-                  <a:t> (</a:t>
-                </a:r>
-                <a:r>
-                  <a:rPr lang="en-US" altLang="ko-KR" sz="1200" dirty="0" smtClean="0"/>
-                  <a:t>+</a:t>
+                  <a:t> (+</a:t>
                 </a:r>
                 <a:r>
                   <a:rPr lang="ko-KR" altLang="en-US" sz="1200" dirty="0" smtClean="0"/>
@@ -3921,7 +3911,7 @@
         <p:grpSpPr>
           <a:xfrm>
             <a:off x="357436" y="2429024"/>
-            <a:ext cx="8352928" cy="936104"/>
+            <a:ext cx="8352928" cy="936105"/>
             <a:chOff x="251520" y="980729"/>
             <a:chExt cx="8352928" cy="936104"/>
           </a:xfrm>
@@ -4058,8 +4048,8 @@
               </p:nvSpPr>
               <p:spPr>
                 <a:xfrm>
-                  <a:off x="509889" y="1881110"/>
-                  <a:ext cx="2615296" cy="439682"/>
+                  <a:off x="509889" y="1881109"/>
+                  <a:ext cx="2615296" cy="439681"/>
                 </a:xfrm>
                 <a:prstGeom prst="rect">
                   <a:avLst/>
@@ -4263,7 +4253,7 @@
           <p:spPr>
             <a:xfrm>
               <a:off x="2339752" y="1328068"/>
-              <a:ext cx="4752528" cy="523220"/>
+              <a:ext cx="4752528" cy="523219"/>
             </a:xfrm>
             <a:prstGeom prst="rect">
               <a:avLst/>
@@ -4431,7 +4421,7 @@
         </p:nvGrpSpPr>
         <p:grpSpPr>
           <a:xfrm>
-            <a:off x="374328" y="4809480"/>
+            <a:off x="374328" y="4809481"/>
             <a:ext cx="8833172" cy="1351260"/>
             <a:chOff x="238820" y="980728"/>
             <a:chExt cx="8833172" cy="1351260"/>
@@ -4619,7 +4609,7 @@
               <p:spPr>
                 <a:xfrm>
                   <a:off x="509889" y="1881110"/>
-                  <a:ext cx="2615296" cy="439682"/>
+                  <a:ext cx="2615297" cy="439681"/>
                 </a:xfrm>
                 <a:prstGeom prst="rect">
                   <a:avLst/>
@@ -4744,7 +4734,7 @@
           </p:nvSpPr>
           <p:spPr>
             <a:xfrm>
-              <a:off x="755576" y="1354490"/>
+              <a:off x="755576" y="1354489"/>
               <a:ext cx="1576024" cy="307777"/>
             </a:xfrm>
             <a:prstGeom prst="rect">
@@ -4781,7 +4771,7 @@
           </p:nvSpPr>
           <p:spPr>
             <a:xfrm>
-              <a:off x="2267744" y="1340768"/>
+              <a:off x="2267744" y="1340767"/>
               <a:ext cx="6804248" cy="954107"/>
             </a:xfrm>
             <a:prstGeom prst="rect">
@@ -5235,8 +5225,8 @@
         </p:nvGrpSpPr>
         <p:grpSpPr>
           <a:xfrm>
-            <a:off x="370136" y="3395092"/>
-            <a:ext cx="8352928" cy="1398274"/>
+            <a:off x="370136" y="3395093"/>
+            <a:ext cx="8352928" cy="1398273"/>
             <a:chOff x="251520" y="980728"/>
             <a:chExt cx="8352928" cy="1398274"/>
           </a:xfrm>
@@ -5374,7 +5364,7 @@
               <p:spPr>
                 <a:xfrm>
                   <a:off x="509889" y="1881110"/>
-                  <a:ext cx="2088232" cy="439682"/>
+                  <a:ext cx="2088232" cy="439681"/>
                 </a:xfrm>
                 <a:prstGeom prst="rect">
                   <a:avLst/>
@@ -5578,7 +5568,7 @@
           <p:spPr>
             <a:xfrm>
               <a:off x="2339752" y="1340768"/>
-              <a:ext cx="5747940" cy="954107"/>
+              <a:ext cx="5747940" cy="954108"/>
             </a:xfrm>
             <a:prstGeom prst="rect">
               <a:avLst/>
@@ -5761,7 +5751,7 @@
         </p:blipFill>
         <p:spPr bwMode="auto">
           <a:xfrm>
-            <a:off x="649660" y="4115172"/>
+            <a:off x="649660" y="4115173"/>
             <a:ext cx="1512168" cy="681980"/>
           </a:xfrm>
           <a:prstGeom prst="rect">
@@ -5824,7 +5814,7 @@
         </p:nvCxnSpPr>
         <p:spPr>
           <a:xfrm flipV="1">
-            <a:off x="2140620" y="4771380"/>
+            <a:off x="2140620" y="4771381"/>
             <a:ext cx="6582816" cy="33908"/>
           </a:xfrm>
           <a:prstGeom prst="line">
@@ -5862,7 +5852,7 @@
         </p:nvSpPr>
         <p:spPr>
           <a:xfrm>
-            <a:off x="251520" y="836712"/>
+            <a:off x="251520" y="836714"/>
             <a:ext cx="7704856" cy="646331"/>
           </a:xfrm>
           <a:prstGeom prst="rect">
@@ -6117,7 +6107,7 @@
         </p:nvSpPr>
         <p:spPr>
           <a:xfrm>
-            <a:off x="4716016" y="260648"/>
+            <a:off x="4716018" y="260648"/>
             <a:ext cx="992579" cy="338554"/>
           </a:xfrm>
           <a:prstGeom prst="rect">
@@ -6156,7 +6146,7 @@
         </p:nvSpPr>
         <p:spPr>
           <a:xfrm>
-            <a:off x="6012160" y="260648"/>
+            <a:off x="6012162" y="260648"/>
             <a:ext cx="1867819" cy="338554"/>
           </a:xfrm>
           <a:prstGeom prst="rect">
@@ -6205,7 +6195,7 @@
         <p:spPr bwMode="auto">
           <a:xfrm>
             <a:off x="7969076" y="188640"/>
-            <a:ext cx="864096" cy="504825"/>
+            <a:ext cx="864096" cy="504826"/>
           </a:xfrm>
           <a:prstGeom prst="rect">
             <a:avLst/>
@@ -6227,7 +6217,7 @@
         </p:nvSpPr>
         <p:spPr>
           <a:xfrm>
-            <a:off x="8100392" y="260648"/>
+            <a:off x="8100394" y="260648"/>
             <a:ext cx="588623" cy="338554"/>
           </a:xfrm>
           <a:prstGeom prst="rect">
@@ -6259,7 +6249,7 @@
         </p:nvSpPr>
         <p:spPr>
           <a:xfrm>
-            <a:off x="251520" y="836712"/>
+            <a:off x="251520" y="836714"/>
             <a:ext cx="7704856" cy="646331"/>
           </a:xfrm>
           <a:prstGeom prst="rect">
@@ -6306,7 +6296,7 @@
         <p:grpSpPr>
           <a:xfrm>
             <a:off x="340420" y="1708944"/>
-            <a:ext cx="8352928" cy="1648048"/>
+            <a:ext cx="8352928" cy="1648047"/>
             <a:chOff x="251520" y="980728"/>
             <a:chExt cx="8352928" cy="1648048"/>
           </a:xfrm>
@@ -6444,7 +6434,7 @@
               <p:spPr>
                 <a:xfrm>
                   <a:off x="509889" y="1881110"/>
-                  <a:ext cx="2806118" cy="439682"/>
+                  <a:ext cx="2806118" cy="439681"/>
                 </a:xfrm>
                 <a:prstGeom prst="rect">
                   <a:avLst/>
@@ -6489,7 +6479,7 @@
             </p:nvSpPr>
             <p:spPr>
               <a:xfrm>
-                <a:off x="2195736" y="2257127"/>
+                <a:off x="2195736" y="2257126"/>
                 <a:ext cx="3727524" cy="276999"/>
               </a:xfrm>
               <a:prstGeom prst="rect">
@@ -6648,7 +6638,7 @@
           <p:spPr>
             <a:xfrm>
               <a:off x="2267744" y="1340768"/>
-              <a:ext cx="5599732" cy="954107"/>
+              <a:ext cx="5599732" cy="954108"/>
             </a:xfrm>
             <a:prstGeom prst="rect">
               <a:avLst/>
@@ -6890,7 +6880,7 @@
         </p:blipFill>
         <p:spPr bwMode="auto">
           <a:xfrm>
-            <a:off x="730176" y="2420888"/>
+            <a:off x="730176" y="2420889"/>
             <a:ext cx="1410364" cy="1008112"/>
           </a:xfrm>
           <a:prstGeom prst="rect">
@@ -6914,7 +6904,7 @@
         <p:grpSpPr>
           <a:xfrm>
             <a:off x="357436" y="3390900"/>
-            <a:ext cx="8352928" cy="936104"/>
+            <a:ext cx="8352928" cy="936105"/>
             <a:chOff x="251520" y="980729"/>
             <a:chExt cx="8352928" cy="936104"/>
           </a:xfrm>
@@ -7051,8 +7041,8 @@
               </p:nvSpPr>
               <p:spPr>
                 <a:xfrm>
-                  <a:off x="509889" y="1881110"/>
-                  <a:ext cx="2615296" cy="439682"/>
+                  <a:off x="509889" y="1881109"/>
+                  <a:ext cx="2615296" cy="439681"/>
                 </a:xfrm>
                 <a:prstGeom prst="rect">
                   <a:avLst/>
@@ -7118,13 +7108,7 @@
                   <a:rPr lang="en-US" altLang="ko-KR" sz="1200" dirty="0" smtClean="0">
                     <a:hlinkClick r:id="rId9"/>
                   </a:rPr>
-                  <a:t>https://</a:t>
-                </a:r>
-                <a:r>
-                  <a:rPr lang="en-US" altLang="ko-KR" sz="1200" dirty="0" smtClean="0">
-                    <a:hlinkClick r:id="rId9"/>
-                  </a:rPr>
-                  <a:t>youtu.be/Re5HlTJrN0g</a:t>
+                  <a:t>https://youtu.be/Re5HlTJrN0g</a:t>
                 </a:r>
                 <a:r>
                   <a:rPr lang="en-US" altLang="ko-KR" sz="1200" dirty="0" smtClean="0"/>
@@ -7294,7 +7278,7 @@
           <p:spPr>
             <a:xfrm>
               <a:off x="2339752" y="1328068"/>
-              <a:ext cx="5654724" cy="523220"/>
+              <a:ext cx="5654724" cy="523219"/>
             </a:xfrm>
             <a:prstGeom prst="rect">
               <a:avLst/>
@@ -7516,7 +7500,7 @@
         </p:nvCxnSpPr>
         <p:spPr>
           <a:xfrm flipV="1">
-            <a:off x="2170336" y="4267696"/>
+            <a:off x="2170336" y="4267697"/>
             <a:ext cx="6565428" cy="12700"/>
           </a:xfrm>
           <a:prstGeom prst="line">
@@ -7620,7 +7604,7 @@
         </p:blipFill>
         <p:spPr bwMode="auto">
           <a:xfrm>
-            <a:off x="3563888" y="260648"/>
+            <a:off x="3563890" y="260649"/>
             <a:ext cx="1533525" cy="476250"/>
           </a:xfrm>
           <a:prstGeom prst="rect">
@@ -7652,7 +7636,7 @@
         </p:blipFill>
         <p:spPr bwMode="auto">
           <a:xfrm>
-            <a:off x="4644008" y="260648"/>
+            <a:off x="4644010" y="260649"/>
             <a:ext cx="1533525" cy="476250"/>
           </a:xfrm>
           <a:prstGeom prst="rect">
@@ -7675,7 +7659,7 @@
         </p:nvSpPr>
         <p:spPr>
           <a:xfrm>
-            <a:off x="3491880" y="260648"/>
+            <a:off x="3491880" y="260649"/>
             <a:ext cx="2304256" cy="430887"/>
           </a:xfrm>
           <a:prstGeom prst="rect">
@@ -7735,7 +7719,7 @@
         </p:blipFill>
         <p:spPr>
           <a:xfrm>
-            <a:off x="1" y="711318"/>
+            <a:off x="3" y="711319"/>
             <a:ext cx="9143999" cy="6146682"/>
           </a:xfrm>
           <a:prstGeom prst="rect">
@@ -7981,7 +7965,7 @@
         </p:nvSpPr>
         <p:spPr>
           <a:xfrm>
-            <a:off x="467544" y="908720"/>
+            <a:off x="467544" y="908721"/>
             <a:ext cx="6840760" cy="4770537"/>
           </a:xfrm>
           <a:prstGeom prst="rect">
@@ -8376,7 +8360,7 @@
         <p:spPr bwMode="auto">
           <a:xfrm>
             <a:off x="323528" y="188640"/>
-            <a:ext cx="1296144" cy="504825"/>
+            <a:ext cx="1296144" cy="504826"/>
           </a:xfrm>
           <a:prstGeom prst="rect">
             <a:avLst/>
@@ -8503,7 +8487,7 @@
         </p:nvSpPr>
         <p:spPr>
           <a:xfrm>
-            <a:off x="4716016" y="260648"/>
+            <a:off x="4716018" y="260648"/>
             <a:ext cx="992579" cy="338554"/>
           </a:xfrm>
           <a:prstGeom prst="rect">
@@ -8542,7 +8526,7 @@
         </p:nvSpPr>
         <p:spPr>
           <a:xfrm>
-            <a:off x="6012160" y="260648"/>
+            <a:off x="6012162" y="260648"/>
             <a:ext cx="1867819" cy="338554"/>
           </a:xfrm>
           <a:prstGeom prst="rect">
@@ -8581,7 +8565,7 @@
         </p:nvSpPr>
         <p:spPr>
           <a:xfrm>
-            <a:off x="8100392" y="260648"/>
+            <a:off x="8100394" y="260648"/>
             <a:ext cx="588623" cy="338554"/>
           </a:xfrm>
           <a:prstGeom prst="rect">
@@ -8800,7 +8784,7 @@
         </p:blipFill>
         <p:spPr bwMode="auto">
           <a:xfrm>
-            <a:off x="1475656" y="3573016"/>
+            <a:off x="1475656" y="3573017"/>
             <a:ext cx="3210548" cy="2520280"/>
           </a:xfrm>
           <a:prstGeom prst="rect">
@@ -8930,7 +8914,7 @@
         <p:spPr bwMode="auto">
           <a:xfrm>
             <a:off x="1619672" y="188640"/>
-            <a:ext cx="1296144" cy="504825"/>
+            <a:ext cx="1296144" cy="504826"/>
           </a:xfrm>
           <a:prstGeom prst="rect">
             <a:avLst/>
@@ -9061,7 +9045,7 @@
         </p:nvSpPr>
         <p:spPr>
           <a:xfrm>
-            <a:off x="4716016" y="260648"/>
+            <a:off x="4716018" y="260648"/>
             <a:ext cx="992579" cy="338554"/>
           </a:xfrm>
           <a:prstGeom prst="rect">
@@ -9100,7 +9084,7 @@
         </p:nvSpPr>
         <p:spPr>
           <a:xfrm>
-            <a:off x="6012160" y="260648"/>
+            <a:off x="6012162" y="260648"/>
             <a:ext cx="1867819" cy="338554"/>
           </a:xfrm>
           <a:prstGeom prst="rect">
@@ -9139,7 +9123,7 @@
         </p:nvSpPr>
         <p:spPr>
           <a:xfrm>
-            <a:off x="8100392" y="260648"/>
+            <a:off x="8100394" y="260648"/>
             <a:ext cx="588623" cy="338554"/>
           </a:xfrm>
           <a:prstGeom prst="rect">
@@ -9178,7 +9162,7 @@
         </p:nvGrpSpPr>
         <p:grpSpPr>
           <a:xfrm>
-            <a:off x="683568" y="1340768"/>
+            <a:off x="683570" y="1340769"/>
             <a:ext cx="7632849" cy="720080"/>
             <a:chOff x="453688" y="1844824"/>
             <a:chExt cx="7632849" cy="720080"/>
@@ -9326,7 +9310,7 @@
         </p:nvGrpSpPr>
         <p:grpSpPr>
           <a:xfrm>
-            <a:off x="683568" y="2348880"/>
+            <a:off x="683570" y="2348881"/>
             <a:ext cx="7632849" cy="720080"/>
             <a:chOff x="453688" y="1844824"/>
             <a:chExt cx="7632849" cy="720080"/>
@@ -9474,7 +9458,7 @@
         </p:nvGrpSpPr>
         <p:grpSpPr>
           <a:xfrm>
-            <a:off x="683568" y="3284984"/>
+            <a:off x="683570" y="3284985"/>
             <a:ext cx="7632849" cy="720080"/>
             <a:chOff x="453688" y="1844824"/>
             <a:chExt cx="7632849" cy="720080"/>
@@ -9622,7 +9606,7 @@
         </p:nvGrpSpPr>
         <p:grpSpPr>
           <a:xfrm>
-            <a:off x="683568" y="4221088"/>
+            <a:off x="683570" y="4221088"/>
             <a:ext cx="7632849" cy="720080"/>
             <a:chOff x="453688" y="1844824"/>
             <a:chExt cx="7632849" cy="720080"/>
@@ -9886,7 +9870,7 @@
         </p:nvGrpSpPr>
         <p:grpSpPr>
           <a:xfrm>
-            <a:off x="683568" y="5157192"/>
+            <a:off x="683570" y="5157193"/>
             <a:ext cx="7632849" cy="720080"/>
             <a:chOff x="453688" y="1844824"/>
             <a:chExt cx="7632849" cy="720080"/>
@@ -10170,7 +10154,7 @@
         <p:spPr bwMode="auto">
           <a:xfrm>
             <a:off x="2987824" y="188640"/>
-            <a:ext cx="1512168" cy="504825"/>
+            <a:ext cx="1512168" cy="504826"/>
           </a:xfrm>
           <a:prstGeom prst="rect">
             <a:avLst/>
@@ -10297,7 +10281,7 @@
         </p:nvSpPr>
         <p:spPr>
           <a:xfrm>
-            <a:off x="4716016" y="260648"/>
+            <a:off x="4716018" y="260648"/>
             <a:ext cx="992579" cy="338554"/>
           </a:xfrm>
           <a:prstGeom prst="rect">
@@ -10336,7 +10320,7 @@
         </p:nvSpPr>
         <p:spPr>
           <a:xfrm>
-            <a:off x="6012160" y="260648"/>
+            <a:off x="6012162" y="260648"/>
             <a:ext cx="1867819" cy="338554"/>
           </a:xfrm>
           <a:prstGeom prst="rect">
@@ -10375,7 +10359,7 @@
         </p:nvSpPr>
         <p:spPr>
           <a:xfrm>
-            <a:off x="8100392" y="260648"/>
+            <a:off x="8100394" y="260648"/>
             <a:ext cx="588623" cy="338554"/>
           </a:xfrm>
           <a:prstGeom prst="rect">
@@ -10414,7 +10398,7 @@
         </p:nvGrpSpPr>
         <p:grpSpPr>
           <a:xfrm>
-            <a:off x="971600" y="1268760"/>
+            <a:off x="971600" y="1268761"/>
             <a:ext cx="2970048" cy="4608512"/>
             <a:chOff x="21640" y="1844824"/>
             <a:chExt cx="2970048" cy="4608512"/>
@@ -10562,7 +10546,7 @@
         </p:nvGrpSpPr>
         <p:grpSpPr>
           <a:xfrm>
-            <a:off x="4860032" y="1268760"/>
+            <a:off x="4860034" y="1268761"/>
             <a:ext cx="2983855" cy="4608512"/>
             <a:chOff x="3316289" y="1844824"/>
             <a:chExt cx="2983855" cy="4608512"/>
@@ -10710,7 +10694,7 @@
         </p:nvSpPr>
         <p:spPr>
           <a:xfrm>
-            <a:off x="1259632" y="1801161"/>
+            <a:off x="1259632" y="1801162"/>
             <a:ext cx="2448272" cy="4524315"/>
           </a:xfrm>
           <a:prstGeom prst="rect">
@@ -11135,7 +11119,7 @@
         <p:spPr bwMode="auto">
           <a:xfrm>
             <a:off x="4585855" y="188640"/>
-            <a:ext cx="1296144" cy="504825"/>
+            <a:ext cx="1296144" cy="504826"/>
           </a:xfrm>
           <a:prstGeom prst="rect">
             <a:avLst/>
@@ -11269,7 +11253,7 @@
         </p:nvSpPr>
         <p:spPr>
           <a:xfrm>
-            <a:off x="4716016" y="260648"/>
+            <a:off x="4716018" y="260648"/>
             <a:ext cx="992579" cy="338554"/>
           </a:xfrm>
           <a:prstGeom prst="rect">
@@ -11301,7 +11285,7 @@
         </p:nvSpPr>
         <p:spPr>
           <a:xfrm>
-            <a:off x="6012160" y="260648"/>
+            <a:off x="6012162" y="260648"/>
             <a:ext cx="1867819" cy="338554"/>
           </a:xfrm>
           <a:prstGeom prst="rect">
@@ -11340,7 +11324,7 @@
         </p:nvSpPr>
         <p:spPr>
           <a:xfrm>
-            <a:off x="8100392" y="260648"/>
+            <a:off x="8100394" y="260648"/>
             <a:ext cx="588623" cy="338554"/>
           </a:xfrm>
           <a:prstGeom prst="rect">
@@ -11548,8 +11532,8 @@
         </p:blipFill>
         <p:spPr bwMode="auto">
           <a:xfrm>
-            <a:off x="467544" y="2348879"/>
-            <a:ext cx="8388935" cy="3096345"/>
+            <a:off x="467546" y="2348879"/>
+            <a:ext cx="8388935" cy="3096346"/>
           </a:xfrm>
           <a:prstGeom prst="rect">
             <a:avLst/>
@@ -11582,7 +11566,7 @@
         </p:blipFill>
         <p:spPr bwMode="auto">
           <a:xfrm>
-            <a:off x="2123728" y="2348880"/>
+            <a:off x="2123728" y="2348882"/>
             <a:ext cx="5544616" cy="3689219"/>
           </a:xfrm>
           <a:prstGeom prst="rect">
@@ -11616,7 +11600,7 @@
         </p:blipFill>
         <p:spPr bwMode="auto">
           <a:xfrm>
-            <a:off x="4139952" y="2348880"/>
+            <a:off x="4139954" y="2348880"/>
             <a:ext cx="4814145" cy="3912667"/>
           </a:xfrm>
           <a:prstGeom prst="rect">
@@ -12044,7 +12028,7 @@
         <p:spPr bwMode="auto">
           <a:xfrm>
             <a:off x="4585855" y="188640"/>
-            <a:ext cx="1296144" cy="504825"/>
+            <a:ext cx="1296144" cy="504826"/>
           </a:xfrm>
           <a:prstGeom prst="rect">
             <a:avLst/>
@@ -12178,7 +12162,7 @@
         </p:nvSpPr>
         <p:spPr>
           <a:xfrm>
-            <a:off x="4716016" y="260648"/>
+            <a:off x="4716018" y="260648"/>
             <a:ext cx="992579" cy="338554"/>
           </a:xfrm>
           <a:prstGeom prst="rect">
@@ -12210,7 +12194,7 @@
         </p:nvSpPr>
         <p:spPr>
           <a:xfrm>
-            <a:off x="6012160" y="260648"/>
+            <a:off x="6012162" y="260648"/>
             <a:ext cx="1867819" cy="338554"/>
           </a:xfrm>
           <a:prstGeom prst="rect">
@@ -12249,7 +12233,7 @@
         </p:nvSpPr>
         <p:spPr>
           <a:xfrm>
-            <a:off x="8100392" y="260648"/>
+            <a:off x="8100394" y="260648"/>
             <a:ext cx="588623" cy="338554"/>
           </a:xfrm>
           <a:prstGeom prst="rect">
@@ -12288,7 +12272,7 @@
         </p:nvSpPr>
         <p:spPr>
           <a:xfrm>
-            <a:off x="251520" y="836712"/>
+            <a:off x="251520" y="836714"/>
             <a:ext cx="7704856" cy="954107"/>
           </a:xfrm>
           <a:prstGeom prst="rect">
@@ -13688,7 +13672,7 @@
         <p:spPr bwMode="auto">
           <a:xfrm>
             <a:off x="6012160" y="188640"/>
-            <a:ext cx="1944216" cy="504825"/>
+            <a:ext cx="1944216" cy="504826"/>
           </a:xfrm>
           <a:prstGeom prst="rect">
             <a:avLst/>
@@ -13822,7 +13806,7 @@
         </p:nvSpPr>
         <p:spPr>
           <a:xfrm>
-            <a:off x="4716016" y="260648"/>
+            <a:off x="4716018" y="260648"/>
             <a:ext cx="992579" cy="338554"/>
           </a:xfrm>
           <a:prstGeom prst="rect">
@@ -13861,7 +13845,7 @@
         </p:nvSpPr>
         <p:spPr>
           <a:xfrm>
-            <a:off x="6012160" y="260648"/>
+            <a:off x="6012162" y="260648"/>
             <a:ext cx="1867819" cy="338554"/>
           </a:xfrm>
           <a:prstGeom prst="rect">
@@ -13893,7 +13877,7 @@
         </p:nvSpPr>
         <p:spPr>
           <a:xfrm>
-            <a:off x="8100392" y="260648"/>
+            <a:off x="8100394" y="260648"/>
             <a:ext cx="588623" cy="338554"/>
           </a:xfrm>
           <a:prstGeom prst="rect">
@@ -13932,8 +13916,8 @@
         </p:nvSpPr>
         <p:spPr>
           <a:xfrm>
-            <a:off x="251520" y="836712"/>
-            <a:ext cx="7704856" cy="574966"/>
+            <a:off x="251520" y="836713"/>
+            <a:ext cx="7704856" cy="646331"/>
           </a:xfrm>
           <a:prstGeom prst="rect">
             <a:avLst/>
@@ -13992,13 +13976,13 @@
           <p:nvPr>
             <p:extLst>
               <p:ext uri="{D42A27DB-BD31-4B8C-83A1-F6EECF244321}">
-                <p14:modId xmlns:p14="http://schemas.microsoft.com/office/powerpoint/2010/main" val="3464747039"/>
+                <p14:modId xmlns="" xmlns:p14="http://schemas.microsoft.com/office/powerpoint/2010/main" val="3464747039"/>
               </p:ext>
             </p:extLst>
           </p:nvPr>
         </p:nvGraphicFramePr>
         <p:xfrm>
-          <a:off x="251512" y="1484789"/>
+          <a:off x="251514" y="1484790"/>
           <a:ext cx="8640967" cy="4447634"/>
         </p:xfrm>
         <a:graphic>
@@ -14011,103 +13995,103 @@
                 <a:gridCol w="1769051">
                   <a:extLst>
                     <a:ext uri="{9D8B030D-6E8A-4147-A177-3AD203B41FA5}">
-                      <a16:colId xmlns:a16="http://schemas.microsoft.com/office/drawing/2014/main" val="20000"/>
+                      <a16:colId xmlns="" xmlns:a16="http://schemas.microsoft.com/office/drawing/2014/main" val="20000"/>
                     </a:ext>
                   </a:extLst>
                 </a:gridCol>
                 <a:gridCol w="621272">
                   <a:extLst>
                     <a:ext uri="{9D8B030D-6E8A-4147-A177-3AD203B41FA5}">
-                      <a16:colId xmlns:a16="http://schemas.microsoft.com/office/drawing/2014/main" val="20001"/>
+                      <a16:colId xmlns="" xmlns:a16="http://schemas.microsoft.com/office/drawing/2014/main" val="20001"/>
                     </a:ext>
                   </a:extLst>
                 </a:gridCol>
                 <a:gridCol w="621272">
                   <a:extLst>
                     <a:ext uri="{9D8B030D-6E8A-4147-A177-3AD203B41FA5}">
-                      <a16:colId xmlns:a16="http://schemas.microsoft.com/office/drawing/2014/main" val="20002"/>
+                      <a16:colId xmlns="" xmlns:a16="http://schemas.microsoft.com/office/drawing/2014/main" val="20002"/>
                     </a:ext>
                   </a:extLst>
                 </a:gridCol>
                 <a:gridCol w="621272">
                   <a:extLst>
                     <a:ext uri="{9D8B030D-6E8A-4147-A177-3AD203B41FA5}">
-                      <a16:colId xmlns:a16="http://schemas.microsoft.com/office/drawing/2014/main" val="20003"/>
+                      <a16:colId xmlns="" xmlns:a16="http://schemas.microsoft.com/office/drawing/2014/main" val="20003"/>
                     </a:ext>
                   </a:extLst>
                 </a:gridCol>
                 <a:gridCol w="621272">
                   <a:extLst>
                     <a:ext uri="{9D8B030D-6E8A-4147-A177-3AD203B41FA5}">
-                      <a16:colId xmlns:a16="http://schemas.microsoft.com/office/drawing/2014/main" val="20004"/>
+                      <a16:colId xmlns="" xmlns:a16="http://schemas.microsoft.com/office/drawing/2014/main" val="20004"/>
                     </a:ext>
                   </a:extLst>
                 </a:gridCol>
                 <a:gridCol w="621272">
                   <a:extLst>
                     <a:ext uri="{9D8B030D-6E8A-4147-A177-3AD203B41FA5}">
-                      <a16:colId xmlns:a16="http://schemas.microsoft.com/office/drawing/2014/main" val="20005"/>
+                      <a16:colId xmlns="" xmlns:a16="http://schemas.microsoft.com/office/drawing/2014/main" val="20005"/>
                     </a:ext>
                   </a:extLst>
                 </a:gridCol>
                 <a:gridCol w="621272">
                   <a:extLst>
                     <a:ext uri="{9D8B030D-6E8A-4147-A177-3AD203B41FA5}">
-                      <a16:colId xmlns:a16="http://schemas.microsoft.com/office/drawing/2014/main" val="20006"/>
+                      <a16:colId xmlns="" xmlns:a16="http://schemas.microsoft.com/office/drawing/2014/main" val="20006"/>
                     </a:ext>
                   </a:extLst>
                 </a:gridCol>
                 <a:gridCol w="310636">
                   <a:extLst>
                     <a:ext uri="{9D8B030D-6E8A-4147-A177-3AD203B41FA5}">
-                      <a16:colId xmlns:a16="http://schemas.microsoft.com/office/drawing/2014/main" val="20007"/>
+                      <a16:colId xmlns="" xmlns:a16="http://schemas.microsoft.com/office/drawing/2014/main" val="20007"/>
                     </a:ext>
                   </a:extLst>
                 </a:gridCol>
                 <a:gridCol w="310636">
                   <a:extLst>
                     <a:ext uri="{9D8B030D-6E8A-4147-A177-3AD203B41FA5}">
-                      <a16:colId xmlns:a16="http://schemas.microsoft.com/office/drawing/2014/main" val="20008"/>
+                      <a16:colId xmlns="" xmlns:a16="http://schemas.microsoft.com/office/drawing/2014/main" val="20008"/>
                     </a:ext>
                   </a:extLst>
                 </a:gridCol>
                 <a:gridCol w="640233">
                   <a:extLst>
                     <a:ext uri="{9D8B030D-6E8A-4147-A177-3AD203B41FA5}">
-                      <a16:colId xmlns:a16="http://schemas.microsoft.com/office/drawing/2014/main" val="20009"/>
+                      <a16:colId xmlns="" xmlns:a16="http://schemas.microsoft.com/office/drawing/2014/main" val="20009"/>
                     </a:ext>
                   </a:extLst>
                 </a:gridCol>
                 <a:gridCol w="621272">
                   <a:extLst>
                     <a:ext uri="{9D8B030D-6E8A-4147-A177-3AD203B41FA5}">
-                      <a16:colId xmlns:a16="http://schemas.microsoft.com/office/drawing/2014/main" val="20010"/>
+                      <a16:colId xmlns="" xmlns:a16="http://schemas.microsoft.com/office/drawing/2014/main" val="20010"/>
                     </a:ext>
                   </a:extLst>
                 </a:gridCol>
                 <a:gridCol w="621272">
                   <a:extLst>
                     <a:ext uri="{9D8B030D-6E8A-4147-A177-3AD203B41FA5}">
-                      <a16:colId xmlns:a16="http://schemas.microsoft.com/office/drawing/2014/main" val="20011"/>
+                      <a16:colId xmlns="" xmlns:a16="http://schemas.microsoft.com/office/drawing/2014/main" val="20011"/>
                     </a:ext>
                   </a:extLst>
                 </a:gridCol>
                 <a:gridCol w="640235">
                   <a:extLst>
                     <a:ext uri="{9D8B030D-6E8A-4147-A177-3AD203B41FA5}">
-                      <a16:colId xmlns:a16="http://schemas.microsoft.com/office/drawing/2014/main" val="20012"/>
+                      <a16:colId xmlns="" xmlns:a16="http://schemas.microsoft.com/office/drawing/2014/main" val="20012"/>
                     </a:ext>
                   </a:extLst>
                 </a:gridCol>
               </a:tblGrid>
-              <a:tr h="349486">
+              <a:tr h="365760">
                 <a:tc>
                   <a:txBody>
                     <a:bodyPr/>
                     <a:lstStyle/>
                     <a:p>
                       <a:pPr latinLnBrk="1"/>
-                      <a:endParaRPr lang="ko-KR" altLang="en-US" sz="1050" dirty="0">
+                      <a:endParaRPr lang="ko-KR" altLang="en-US" sz="1100" dirty="0">
                         <a:solidFill>
                           <a:schemeClr val="tx1">
                             <a:lumMod val="75000"/>
@@ -14130,7 +14114,7 @@
                     <a:bodyPr/>
                     <a:lstStyle/>
                     <a:p>
-                      <a:endParaRPr lang="ko-KR" altLang="en-US" dirty="0"/>
+                      <a:endParaRPr lang="ko-KR" altLang="en-US" sz="1800" dirty="0"/>
                     </a:p>
                   </a:txBody>
                   <a:tcPr anchor="ctr">
@@ -14351,7 +14335,7 @@
                 </a:tc>
                 <a:extLst>
                   <a:ext uri="{0D108BD9-81ED-4DB2-BD59-A6C34878D82A}">
-                    <a16:rowId xmlns:a16="http://schemas.microsoft.com/office/drawing/2014/main" val="10000"/>
+                    <a16:rowId xmlns="" xmlns:a16="http://schemas.microsoft.com/office/drawing/2014/main" val="10000"/>
                   </a:ext>
                 </a:extLst>
               </a:tr>
@@ -14362,7 +14346,7 @@
                     <a:lstStyle/>
                     <a:p>
                       <a:pPr latinLnBrk="1"/>
-                      <a:endParaRPr lang="ko-KR" altLang="en-US" sz="1050" dirty="0">
+                      <a:endParaRPr lang="ko-KR" altLang="en-US" sz="1100" dirty="0">
                         <a:latin typeface="+mj-lt"/>
                         <a:ea typeface="나눔바른고딕" pitchFamily="50" charset="-127"/>
                       </a:endParaRPr>
@@ -14404,13 +14388,13 @@
                     <a:p>
                       <a:pPr algn="ctr" latinLnBrk="1"/>
                       <a:r>
-                        <a:rPr lang="en-US" altLang="ko-KR" sz="1050" b="1" dirty="0" smtClean="0">
+                        <a:rPr lang="en-US" altLang="ko-KR" sz="1100" b="1" dirty="0" smtClean="0">
                           <a:latin typeface="나눔바른고딕" pitchFamily="50" charset="-127"/>
                           <a:ea typeface="나눔바른고딕" pitchFamily="50" charset="-127"/>
                         </a:rPr>
                         <a:t>CW 07</a:t>
                       </a:r>
-                      <a:endParaRPr lang="ko-KR" altLang="en-US" sz="1050" b="1" dirty="0">
+                      <a:endParaRPr lang="ko-KR" altLang="en-US" sz="1100" b="1" dirty="0">
                         <a:latin typeface="나눔바른고딕" pitchFamily="50" charset="-127"/>
                         <a:ea typeface="나눔바른고딕" pitchFamily="50" charset="-127"/>
                       </a:endParaRPr>
@@ -14476,13 +14460,13 @@
                     <a:p>
                       <a:pPr algn="ctr" latinLnBrk="1"/>
                       <a:r>
-                        <a:rPr lang="en-US" altLang="ko-KR" sz="1050" b="1" dirty="0" smtClean="0">
+                        <a:rPr lang="en-US" altLang="ko-KR" sz="1100" b="1" dirty="0" smtClean="0">
                           <a:latin typeface="나눔바른고딕" pitchFamily="50" charset="-127"/>
                           <a:ea typeface="나눔바른고딕" pitchFamily="50" charset="-127"/>
                         </a:rPr>
                         <a:t>CW 08</a:t>
                       </a:r>
-                      <a:endParaRPr lang="ko-KR" altLang="en-US" sz="1050" b="1" dirty="0">
+                      <a:endParaRPr lang="ko-KR" altLang="en-US" sz="1100" b="1" dirty="0">
                         <a:latin typeface="나눔바른고딕" pitchFamily="50" charset="-127"/>
                         <a:ea typeface="나눔바른고딕" pitchFamily="50" charset="-127"/>
                       </a:endParaRPr>
@@ -14548,13 +14532,13 @@
                     <a:p>
                       <a:pPr algn="ctr" latinLnBrk="1"/>
                       <a:r>
-                        <a:rPr lang="en-US" altLang="ko-KR" sz="1050" b="1" dirty="0" smtClean="0">
+                        <a:rPr lang="en-US" altLang="ko-KR" sz="1100" b="1" dirty="0" smtClean="0">
                           <a:latin typeface="나눔바른고딕" pitchFamily="50" charset="-127"/>
                           <a:ea typeface="나눔바른고딕" pitchFamily="50" charset="-127"/>
                         </a:rPr>
                         <a:t>CW 09</a:t>
                       </a:r>
-                      <a:endParaRPr lang="ko-KR" altLang="en-US" sz="1050" b="1" dirty="0">
+                      <a:endParaRPr lang="ko-KR" altLang="en-US" sz="1100" b="1" dirty="0">
                         <a:latin typeface="나눔바른고딕" pitchFamily="50" charset="-127"/>
                         <a:ea typeface="나눔바른고딕" pitchFamily="50" charset="-127"/>
                       </a:endParaRPr>
@@ -14620,13 +14604,13 @@
                     <a:p>
                       <a:pPr algn="ctr" latinLnBrk="1"/>
                       <a:r>
-                        <a:rPr lang="en-US" altLang="ko-KR" sz="1050" b="1" dirty="0" smtClean="0">
+                        <a:rPr lang="en-US" altLang="ko-KR" sz="1100" b="1" dirty="0" smtClean="0">
                           <a:latin typeface="나눔바른고딕" pitchFamily="50" charset="-127"/>
                           <a:ea typeface="나눔바른고딕" pitchFamily="50" charset="-127"/>
                         </a:rPr>
                         <a:t>CW 10</a:t>
                       </a:r>
-                      <a:endParaRPr lang="ko-KR" altLang="en-US" sz="1050" b="1" dirty="0">
+                      <a:endParaRPr lang="ko-KR" altLang="en-US" sz="1100" b="1" dirty="0">
                         <a:latin typeface="나눔바른고딕" pitchFamily="50" charset="-127"/>
                         <a:ea typeface="나눔바른고딕" pitchFamily="50" charset="-127"/>
                       </a:endParaRPr>
@@ -14692,13 +14676,13 @@
                     <a:p>
                       <a:pPr algn="ctr" latinLnBrk="1"/>
                       <a:r>
-                        <a:rPr lang="en-US" altLang="ko-KR" sz="1050" b="1" dirty="0" smtClean="0">
+                        <a:rPr lang="en-US" altLang="ko-KR" sz="1100" b="1" dirty="0" smtClean="0">
                           <a:latin typeface="나눔바른고딕" pitchFamily="50" charset="-127"/>
                           <a:ea typeface="나눔바른고딕" pitchFamily="50" charset="-127"/>
                         </a:rPr>
                         <a:t>CW 11</a:t>
                       </a:r>
-                      <a:endParaRPr lang="ko-KR" altLang="en-US" sz="1050" b="1" dirty="0">
+                      <a:endParaRPr lang="ko-KR" altLang="en-US" sz="1100" b="1" dirty="0">
                         <a:latin typeface="나눔바른고딕" pitchFamily="50" charset="-127"/>
                         <a:ea typeface="나눔바른고딕" pitchFamily="50" charset="-127"/>
                       </a:endParaRPr>
@@ -14764,13 +14748,13 @@
                     <a:p>
                       <a:pPr algn="ctr" latinLnBrk="1"/>
                       <a:r>
-                        <a:rPr lang="en-US" altLang="ko-KR" sz="1050" b="1" dirty="0" smtClean="0">
+                        <a:rPr lang="en-US" altLang="ko-KR" sz="1100" b="1" dirty="0" smtClean="0">
                           <a:latin typeface="나눔바른고딕" pitchFamily="50" charset="-127"/>
                           <a:ea typeface="나눔바른고딕" pitchFamily="50" charset="-127"/>
                         </a:rPr>
                         <a:t>CW 12</a:t>
                       </a:r>
-                      <a:endParaRPr lang="ko-KR" altLang="en-US" sz="1050" b="1" dirty="0">
+                      <a:endParaRPr lang="ko-KR" altLang="en-US" sz="1100" b="1" dirty="0">
                         <a:latin typeface="나눔바른고딕" pitchFamily="50" charset="-127"/>
                         <a:ea typeface="나눔바른고딕" pitchFamily="50" charset="-127"/>
                       </a:endParaRPr>
@@ -14836,13 +14820,13 @@
                     <a:p>
                       <a:pPr algn="ctr" latinLnBrk="1"/>
                       <a:r>
-                        <a:rPr lang="en-US" altLang="ko-KR" sz="1050" b="1" dirty="0" smtClean="0">
+                        <a:rPr lang="en-US" altLang="ko-KR" sz="1100" b="1" dirty="0" smtClean="0">
                           <a:latin typeface="나눔바른고딕" pitchFamily="50" charset="-127"/>
                           <a:ea typeface="나눔바른고딕" pitchFamily="50" charset="-127"/>
                         </a:rPr>
                         <a:t>CW 13</a:t>
                       </a:r>
-                      <a:endParaRPr lang="ko-KR" altLang="en-US" sz="1050" b="1" dirty="0">
+                      <a:endParaRPr lang="ko-KR" altLang="en-US" sz="1100" b="1" dirty="0">
                         <a:latin typeface="나눔바른고딕" pitchFamily="50" charset="-127"/>
                         <a:ea typeface="나눔바른고딕" pitchFamily="50" charset="-127"/>
                       </a:endParaRPr>
@@ -14919,13 +14903,13 @@
                     <a:p>
                       <a:pPr algn="ctr" latinLnBrk="1"/>
                       <a:r>
-                        <a:rPr lang="en-US" altLang="ko-KR" sz="1050" b="1" dirty="0" smtClean="0">
+                        <a:rPr lang="en-US" altLang="ko-KR" sz="1100" b="1" dirty="0" smtClean="0">
                           <a:latin typeface="나눔바른고딕" pitchFamily="50" charset="-127"/>
                           <a:ea typeface="나눔바른고딕" pitchFamily="50" charset="-127"/>
                         </a:rPr>
                         <a:t>CW 14</a:t>
                       </a:r>
-                      <a:endParaRPr lang="ko-KR" altLang="en-US" sz="1050" b="1" dirty="0">
+                      <a:endParaRPr lang="ko-KR" altLang="en-US" sz="1100" b="1" dirty="0">
                         <a:latin typeface="나눔바른고딕" pitchFamily="50" charset="-127"/>
                         <a:ea typeface="나눔바른고딕" pitchFamily="50" charset="-127"/>
                       </a:endParaRPr>
@@ -14991,13 +14975,13 @@
                     <a:p>
                       <a:pPr algn="ctr" latinLnBrk="1"/>
                       <a:r>
-                        <a:rPr lang="en-US" altLang="ko-KR" sz="1050" b="1" dirty="0" smtClean="0">
+                        <a:rPr lang="en-US" altLang="ko-KR" sz="1100" b="1" dirty="0" smtClean="0">
                           <a:latin typeface="나눔바른고딕" pitchFamily="50" charset="-127"/>
                           <a:ea typeface="나눔바른고딕" pitchFamily="50" charset="-127"/>
                         </a:rPr>
                         <a:t>CW 15</a:t>
                       </a:r>
-                      <a:endParaRPr lang="ko-KR" altLang="en-US" sz="1050" b="1" dirty="0">
+                      <a:endParaRPr lang="ko-KR" altLang="en-US" sz="1100" b="1" dirty="0">
                         <a:latin typeface="나눔바른고딕" pitchFamily="50" charset="-127"/>
                         <a:ea typeface="나눔바른고딕" pitchFamily="50" charset="-127"/>
                       </a:endParaRPr>
@@ -15063,13 +15047,13 @@
                     <a:p>
                       <a:pPr algn="ctr" latinLnBrk="1"/>
                       <a:r>
-                        <a:rPr lang="en-US" altLang="ko-KR" sz="1050" b="1" dirty="0" smtClean="0">
+                        <a:rPr lang="en-US" altLang="ko-KR" sz="1100" b="1" dirty="0" smtClean="0">
                           <a:latin typeface="나눔바른고딕" pitchFamily="50" charset="-127"/>
                           <a:ea typeface="나눔바른고딕" pitchFamily="50" charset="-127"/>
                         </a:rPr>
                         <a:t>CW 16</a:t>
                       </a:r>
-                      <a:endParaRPr lang="ko-KR" altLang="en-US" sz="1050" b="1" dirty="0">
+                      <a:endParaRPr lang="ko-KR" altLang="en-US" sz="1100" b="1" dirty="0">
                         <a:latin typeface="나눔바른고딕" pitchFamily="50" charset="-127"/>
                         <a:ea typeface="나눔바른고딕" pitchFamily="50" charset="-127"/>
                       </a:endParaRPr>
@@ -15135,13 +15119,13 @@
                     <a:p>
                       <a:pPr algn="ctr" latinLnBrk="1"/>
                       <a:r>
-                        <a:rPr lang="en-US" altLang="ko-KR" sz="1050" b="1" dirty="0" smtClean="0">
+                        <a:rPr lang="en-US" altLang="ko-KR" sz="1100" b="1" dirty="0" smtClean="0">
                           <a:latin typeface="나눔바른고딕" pitchFamily="50" charset="-127"/>
                           <a:ea typeface="나눔바른고딕" pitchFamily="50" charset="-127"/>
                         </a:rPr>
                         <a:t>CW 17</a:t>
                       </a:r>
-                      <a:endParaRPr lang="ko-KR" altLang="en-US" sz="1050" b="1" dirty="0">
+                      <a:endParaRPr lang="ko-KR" altLang="en-US" sz="1100" b="1" dirty="0">
                         <a:latin typeface="나눔바른고딕" pitchFamily="50" charset="-127"/>
                         <a:ea typeface="나눔바른고딕" pitchFamily="50" charset="-127"/>
                       </a:endParaRPr>
@@ -15202,7 +15186,7 @@
                 </a:tc>
                 <a:extLst>
                   <a:ext uri="{0D108BD9-81ED-4DB2-BD59-A6C34878D82A}">
-                    <a16:rowId xmlns:a16="http://schemas.microsoft.com/office/drawing/2014/main" val="10001"/>
+                    <a16:rowId xmlns="" xmlns:a16="http://schemas.microsoft.com/office/drawing/2014/main" val="10001"/>
                   </a:ext>
                 </a:extLst>
               </a:tr>
@@ -15214,13 +15198,13 @@
                     <a:p>
                       <a:pPr latinLnBrk="1"/>
                       <a:r>
-                        <a:rPr lang="ko-KR" altLang="en-US" sz="1050" dirty="0" smtClean="0">
+                        <a:rPr lang="ko-KR" altLang="en-US" sz="1100" dirty="0" smtClean="0">
                           <a:latin typeface="+mj-lt"/>
                           <a:ea typeface="나눔바른고딕" pitchFamily="50" charset="-127"/>
                         </a:rPr>
                         <a:t>기획 및 설계</a:t>
                       </a:r>
-                      <a:endParaRPr lang="ko-KR" altLang="en-US" sz="1050" dirty="0">
+                      <a:endParaRPr lang="ko-KR" altLang="en-US" sz="1100" dirty="0">
                         <a:latin typeface="+mj-lt"/>
                         <a:ea typeface="나눔바른고딕" pitchFamily="50" charset="-127"/>
                       </a:endParaRPr>
@@ -15750,7 +15734,9 @@
                       <a:tailEnd type="none" w="med" len="med"/>
                     </a:lnB>
                     <a:solidFill>
-                      <a:schemeClr val="bg1"/>
+                      <a:schemeClr val="bg1">
+                        <a:lumMod val="95000"/>
+                      </a:schemeClr>
                     </a:solidFill>
                   </a:tcPr>
                 </a:tc>
@@ -15812,7 +15798,9 @@
                       <a:tailEnd type="none" w="med" len="med"/>
                     </a:lnB>
                     <a:solidFill>
-                      <a:schemeClr val="bg1"/>
+                      <a:schemeClr val="bg1">
+                        <a:lumMod val="95000"/>
+                      </a:schemeClr>
                     </a:solidFill>
                   </a:tcPr>
                 </a:tc>
@@ -15874,69 +15862,9 @@
                       <a:tailEnd type="none" w="med" len="med"/>
                     </a:lnB>
                     <a:solidFill>
-                      <a:schemeClr val="bg1"/>
-                    </a:solidFill>
-                  </a:tcPr>
-                </a:tc>
-                <a:tc>
-                  <a:txBody>
-                    <a:bodyPr/>
-                    <a:lstStyle/>
-                    <a:p>
-                      <a:pPr latinLnBrk="1"/>
-                      <a:endParaRPr lang="ko-KR" altLang="en-US" sz="1600">
-                        <a:latin typeface="나눔바른고딕" pitchFamily="50" charset="-127"/>
-                        <a:ea typeface="나눔바른고딕" pitchFamily="50" charset="-127"/>
-                      </a:endParaRPr>
-                    </a:p>
-                  </a:txBody>
-                  <a:tcPr anchor="ctr">
-                    <a:lnL w="3175" cap="flat" cmpd="sng" algn="ctr">
-                      <a:solidFill>
-                        <a:schemeClr val="bg1">
-                          <a:lumMod val="85000"/>
-                        </a:schemeClr>
-                      </a:solidFill>
-                      <a:prstDash val="solid"/>
-                      <a:round/>
-                      <a:headEnd type="none" w="med" len="med"/>
-                      <a:tailEnd type="none" w="med" len="med"/>
-                    </a:lnL>
-                    <a:lnR w="3175" cap="flat" cmpd="sng" algn="ctr">
-                      <a:solidFill>
-                        <a:schemeClr val="bg1">
-                          <a:lumMod val="85000"/>
-                        </a:schemeClr>
-                      </a:solidFill>
-                      <a:prstDash val="solid"/>
-                      <a:round/>
-                      <a:headEnd type="none" w="med" len="med"/>
-                      <a:tailEnd type="none" w="med" len="med"/>
-                    </a:lnR>
-                    <a:lnT w="3175" cap="flat" cmpd="sng" algn="ctr">
-                      <a:solidFill>
-                        <a:schemeClr val="bg1">
-                          <a:lumMod val="85000"/>
-                        </a:schemeClr>
-                      </a:solidFill>
-                      <a:prstDash val="solid"/>
-                      <a:round/>
-                      <a:headEnd type="none" w="med" len="med"/>
-                      <a:tailEnd type="none" w="med" len="med"/>
-                    </a:lnT>
-                    <a:lnB w="3175" cap="flat" cmpd="sng" algn="ctr">
-                      <a:solidFill>
-                        <a:schemeClr val="bg1">
-                          <a:lumMod val="85000"/>
-                        </a:schemeClr>
-                      </a:solidFill>
-                      <a:prstDash val="solid"/>
-                      <a:round/>
-                      <a:headEnd type="none" w="med" len="med"/>
-                      <a:tailEnd type="none" w="med" len="med"/>
-                    </a:lnB>
-                    <a:solidFill>
-                      <a:schemeClr val="bg1"/>
+                      <a:schemeClr val="bg1">
+                        <a:lumMod val="95000"/>
+                      </a:schemeClr>
                     </a:solidFill>
                   </a:tcPr>
                 </a:tc>
@@ -15998,13 +15926,77 @@
                       <a:tailEnd type="none" w="med" len="med"/>
                     </a:lnB>
                     <a:solidFill>
+                      <a:schemeClr val="bg1">
+                        <a:lumMod val="95000"/>
+                      </a:schemeClr>
+                    </a:solidFill>
+                  </a:tcPr>
+                </a:tc>
+                <a:tc>
+                  <a:txBody>
+                    <a:bodyPr/>
+                    <a:lstStyle/>
+                    <a:p>
+                      <a:pPr latinLnBrk="1"/>
+                      <a:endParaRPr lang="ko-KR" altLang="en-US" sz="1600" dirty="0">
+                        <a:latin typeface="나눔바른고딕" pitchFamily="50" charset="-127"/>
+                        <a:ea typeface="나눔바른고딕" pitchFamily="50" charset="-127"/>
+                      </a:endParaRPr>
+                    </a:p>
+                  </a:txBody>
+                  <a:tcPr anchor="ctr">
+                    <a:lnL w="3175" cap="flat" cmpd="sng" algn="ctr">
+                      <a:solidFill>
+                        <a:schemeClr val="bg1">
+                          <a:lumMod val="85000"/>
+                        </a:schemeClr>
+                      </a:solidFill>
+                      <a:prstDash val="solid"/>
+                      <a:round/>
+                      <a:headEnd type="none" w="med" len="med"/>
+                      <a:tailEnd type="none" w="med" len="med"/>
+                    </a:lnL>
+                    <a:lnR w="3175" cap="flat" cmpd="sng" algn="ctr">
+                      <a:solidFill>
+                        <a:schemeClr val="bg1">
+                          <a:lumMod val="85000"/>
+                        </a:schemeClr>
+                      </a:solidFill>
+                      <a:prstDash val="solid"/>
+                      <a:round/>
+                      <a:headEnd type="none" w="med" len="med"/>
+                      <a:tailEnd type="none" w="med" len="med"/>
+                    </a:lnR>
+                    <a:lnT w="3175" cap="flat" cmpd="sng" algn="ctr">
+                      <a:solidFill>
+                        <a:schemeClr val="bg1">
+                          <a:lumMod val="85000"/>
+                        </a:schemeClr>
+                      </a:solidFill>
+                      <a:prstDash val="solid"/>
+                      <a:round/>
+                      <a:headEnd type="none" w="med" len="med"/>
+                      <a:tailEnd type="none" w="med" len="med"/>
+                    </a:lnT>
+                    <a:lnB w="3175" cap="flat" cmpd="sng" algn="ctr">
+                      <a:solidFill>
+                        <a:schemeClr val="bg1">
+                          <a:lumMod val="85000"/>
+                        </a:schemeClr>
+                      </a:solidFill>
+                      <a:prstDash val="solid"/>
+                      <a:round/>
+                      <a:headEnd type="none" w="med" len="med"/>
+                      <a:tailEnd type="none" w="med" len="med"/>
+                    </a:lnB>
+                    <a:solidFill>
                       <a:schemeClr val="bg1"/>
                     </a:solidFill>
                   </a:tcPr>
                 </a:tc>
                 <a:extLst>
                   <a:ext uri="{0D108BD9-81ED-4DB2-BD59-A6C34878D82A}">
-                    <a16:rowId xmlns:a16="http://schemas.microsoft.com/office/drawing/2014/main" val="10002"/>
+                    <a16:rowId xmlns="" xmlns:a16="http://schemas.microsoft.com/office/drawing/2014/main" val="10002"/>
                   </a:ext>
                 </a:extLst>
               </a:tr>
@@ -16016,20 +16008,20 @@
                     <a:p>
                       <a:pPr latinLnBrk="1"/>
                       <a:r>
-                        <a:rPr lang="en-US" altLang="ko-KR" sz="1050" dirty="0" smtClean="0">
+                        <a:rPr lang="en-US" altLang="ko-KR" sz="1100" dirty="0" smtClean="0">
                           <a:latin typeface="+mj-lt"/>
                           <a:ea typeface="나눔바른고딕" pitchFamily="50" charset="-127"/>
                         </a:rPr>
                         <a:t>DB </a:t>
                       </a:r>
                       <a:r>
-                        <a:rPr lang="ko-KR" altLang="en-US" sz="1050" dirty="0" smtClean="0">
+                        <a:rPr lang="ko-KR" altLang="en-US" sz="1100" dirty="0" smtClean="0">
                           <a:latin typeface="+mj-lt"/>
                           <a:ea typeface="나눔바른고딕" pitchFamily="50" charset="-127"/>
                         </a:rPr>
                         <a:t>구성</a:t>
                       </a:r>
-                      <a:endParaRPr lang="ko-KR" altLang="en-US" sz="1050" dirty="0">
+                      <a:endParaRPr lang="ko-KR" altLang="en-US" sz="1100" dirty="0">
                         <a:latin typeface="+mj-lt"/>
                         <a:ea typeface="나눔바른고딕" pitchFamily="50" charset="-127"/>
                       </a:endParaRPr>
@@ -16559,7 +16551,9 @@
                       <a:tailEnd type="none" w="med" len="med"/>
                     </a:lnB>
                     <a:solidFill>
-                      <a:schemeClr val="bg1"/>
+                      <a:schemeClr val="bg1">
+                        <a:lumMod val="95000"/>
+                      </a:schemeClr>
                     </a:solidFill>
                   </a:tcPr>
                 </a:tc>
@@ -16621,7 +16615,9 @@
                       <a:tailEnd type="none" w="med" len="med"/>
                     </a:lnB>
                     <a:solidFill>
-                      <a:schemeClr val="bg1"/>
+                      <a:schemeClr val="bg1">
+                        <a:lumMod val="95000"/>
+                      </a:schemeClr>
                     </a:solidFill>
                   </a:tcPr>
                 </a:tc>
@@ -16683,7 +16679,9 @@
                       <a:tailEnd type="none" w="med" len="med"/>
                     </a:lnB>
                     <a:solidFill>
-                      <a:schemeClr val="bg1"/>
+                      <a:schemeClr val="bg1">
+                        <a:lumMod val="95000"/>
+                      </a:schemeClr>
                     </a:solidFill>
                   </a:tcPr>
                 </a:tc>
@@ -16745,7 +16743,9 @@
                       <a:tailEnd type="none" w="med" len="med"/>
                     </a:lnB>
                     <a:solidFill>
-                      <a:schemeClr val="bg1"/>
+                      <a:schemeClr val="bg1">
+                        <a:lumMod val="95000"/>
+                      </a:schemeClr>
                     </a:solidFill>
                   </a:tcPr>
                 </a:tc>
@@ -16813,7 +16813,7 @@
                 </a:tc>
                 <a:extLst>
                   <a:ext uri="{0D108BD9-81ED-4DB2-BD59-A6C34878D82A}">
-                    <a16:rowId xmlns:a16="http://schemas.microsoft.com/office/drawing/2014/main" val="10003"/>
+                    <a16:rowId xmlns="" xmlns:a16="http://schemas.microsoft.com/office/drawing/2014/main" val="10003"/>
                   </a:ext>
                 </a:extLst>
               </a:tr>
@@ -16825,27 +16825,27 @@
                     <a:p>
                       <a:pPr algn="l" latinLnBrk="1"/>
                       <a:r>
-                        <a:rPr lang="ko-KR" altLang="en-US" sz="1050" dirty="0" smtClean="0">
+                        <a:rPr lang="ko-KR" altLang="en-US" sz="1100" dirty="0" smtClean="0">
                           <a:latin typeface="+mj-lt"/>
                           <a:ea typeface="나눔바른고딕" pitchFamily="50" charset="-127"/>
                         </a:rPr>
                         <a:t>로그인</a:t>
                       </a:r>
                       <a:r>
-                        <a:rPr lang="en-US" altLang="ko-KR" sz="1050" dirty="0" smtClean="0">
+                        <a:rPr lang="en-US" altLang="ko-KR" sz="1100" dirty="0" smtClean="0">
                           <a:latin typeface="+mj-lt"/>
                           <a:ea typeface="나눔바른고딕" pitchFamily="50" charset="-127"/>
                         </a:rPr>
                         <a:t>/</a:t>
                       </a:r>
                       <a:r>
-                        <a:rPr lang="ko-KR" altLang="en-US" sz="1050" dirty="0" smtClean="0">
+                        <a:rPr lang="ko-KR" altLang="en-US" sz="1100" dirty="0" smtClean="0">
                           <a:latin typeface="+mj-lt"/>
                           <a:ea typeface="나눔바른고딕" pitchFamily="50" charset="-127"/>
                         </a:rPr>
                         <a:t>로그아웃</a:t>
                       </a:r>
-                      <a:endParaRPr lang="ko-KR" altLang="en-US" sz="1050" dirty="0">
+                      <a:endParaRPr lang="ko-KR" altLang="en-US" sz="1100" dirty="0">
                         <a:latin typeface="+mj-lt"/>
                         <a:ea typeface="나눔바른고딕" pitchFamily="50" charset="-127"/>
                       </a:endParaRPr>
@@ -17379,7 +17379,9 @@
                       <a:tailEnd type="none" w="med" len="med"/>
                     </a:lnB>
                     <a:solidFill>
-                      <a:schemeClr val="bg1"/>
+                      <a:schemeClr val="bg1">
+                        <a:lumMod val="95000"/>
+                      </a:schemeClr>
                     </a:solidFill>
                   </a:tcPr>
                 </a:tc>
@@ -17441,7 +17443,9 @@
                       <a:tailEnd type="none" w="med" len="med"/>
                     </a:lnB>
                     <a:solidFill>
-                      <a:schemeClr val="bg1"/>
+                      <a:schemeClr val="bg1">
+                        <a:lumMod val="95000"/>
+                      </a:schemeClr>
                     </a:solidFill>
                   </a:tcPr>
                 </a:tc>
@@ -17503,7 +17507,9 @@
                       <a:tailEnd type="none" w="med" len="med"/>
                     </a:lnB>
                     <a:solidFill>
-                      <a:schemeClr val="bg1"/>
+                      <a:schemeClr val="bg1">
+                        <a:lumMod val="95000"/>
+                      </a:schemeClr>
                     </a:solidFill>
                   </a:tcPr>
                 </a:tc>
@@ -17565,7 +17571,9 @@
                       <a:tailEnd type="none" w="med" len="med"/>
                     </a:lnB>
                     <a:solidFill>
-                      <a:schemeClr val="bg1"/>
+                      <a:schemeClr val="bg1">
+                        <a:lumMod val="95000"/>
+                      </a:schemeClr>
                     </a:solidFill>
                   </a:tcPr>
                 </a:tc>
@@ -17633,7 +17641,7 @@
                 </a:tc>
                 <a:extLst>
                   <a:ext uri="{0D108BD9-81ED-4DB2-BD59-A6C34878D82A}">
-                    <a16:rowId xmlns:a16="http://schemas.microsoft.com/office/drawing/2014/main" val="10004"/>
+                    <a16:rowId xmlns="" xmlns:a16="http://schemas.microsoft.com/office/drawing/2014/main" val="10004"/>
                   </a:ext>
                 </a:extLst>
               </a:tr>
@@ -17645,41 +17653,41 @@
                     <a:p>
                       <a:pPr algn="l" latinLnBrk="1"/>
                       <a:r>
-                        <a:rPr lang="ko-KR" altLang="en-US" sz="1050" dirty="0" smtClean="0">
+                        <a:rPr lang="ko-KR" altLang="en-US" sz="1100" dirty="0" smtClean="0">
                           <a:latin typeface="+mj-lt"/>
                           <a:ea typeface="나눔바른고딕" pitchFamily="50" charset="-127"/>
                         </a:rPr>
                         <a:t>회원가입</a:t>
                       </a:r>
                       <a:r>
-                        <a:rPr lang="en-US" altLang="ko-KR" sz="1050" dirty="0" smtClean="0">
+                        <a:rPr lang="en-US" altLang="ko-KR" sz="1100" dirty="0" smtClean="0">
                           <a:latin typeface="+mj-lt"/>
                           <a:ea typeface="나눔바른고딕" pitchFamily="50" charset="-127"/>
                         </a:rPr>
                         <a:t>/</a:t>
                       </a:r>
                       <a:r>
-                        <a:rPr lang="ko-KR" altLang="en-US" sz="1050" dirty="0" smtClean="0">
+                        <a:rPr lang="ko-KR" altLang="en-US" sz="1100" dirty="0" smtClean="0">
                           <a:latin typeface="+mj-lt"/>
                           <a:ea typeface="나눔바른고딕" pitchFamily="50" charset="-127"/>
                         </a:rPr>
                         <a:t>수정</a:t>
                       </a:r>
                       <a:r>
-                        <a:rPr lang="en-US" altLang="ko-KR" sz="1050" dirty="0" smtClean="0">
+                        <a:rPr lang="en-US" altLang="ko-KR" sz="1100" dirty="0" smtClean="0">
                           <a:latin typeface="+mj-lt"/>
                           <a:ea typeface="나눔바른고딕" pitchFamily="50" charset="-127"/>
                         </a:rPr>
                         <a:t>/</a:t>
                       </a:r>
                       <a:r>
-                        <a:rPr lang="ko-KR" altLang="en-US" sz="1050" dirty="0" smtClean="0">
+                        <a:rPr lang="ko-KR" altLang="en-US" sz="1100" dirty="0" smtClean="0">
                           <a:latin typeface="+mj-lt"/>
                           <a:ea typeface="나눔바른고딕" pitchFamily="50" charset="-127"/>
                         </a:rPr>
                         <a:t>탈퇴</a:t>
                       </a:r>
-                      <a:endParaRPr lang="ko-KR" altLang="en-US" sz="1050" dirty="0">
+                      <a:endParaRPr lang="ko-KR" altLang="en-US" sz="1100" dirty="0">
                         <a:latin typeface="+mj-lt"/>
                         <a:ea typeface="나눔바른고딕" pitchFamily="50" charset="-127"/>
                       </a:endParaRPr>
@@ -18207,7 +18215,9 @@
                       <a:tailEnd type="none" w="med" len="med"/>
                     </a:lnB>
                     <a:solidFill>
-                      <a:schemeClr val="bg1"/>
+                      <a:schemeClr val="bg1">
+                        <a:lumMod val="95000"/>
+                      </a:schemeClr>
                     </a:solidFill>
                   </a:tcPr>
                 </a:tc>
@@ -18269,7 +18279,9 @@
                       <a:tailEnd type="none" w="med" len="med"/>
                     </a:lnB>
                     <a:solidFill>
-                      <a:schemeClr val="bg1"/>
+                      <a:schemeClr val="bg1">
+                        <a:lumMod val="95000"/>
+                      </a:schemeClr>
                     </a:solidFill>
                   </a:tcPr>
                 </a:tc>
@@ -18331,7 +18343,7 @@
                       <a:tailEnd type="none" w="med" len="med"/>
                     </a:lnB>
                     <a:solidFill>
-                      <a:schemeClr val="bg1"/>
+                      <a:srgbClr val="FFC000"/>
                     </a:solidFill>
                   </a:tcPr>
                 </a:tc>
@@ -18393,7 +18405,9 @@
                       <a:tailEnd type="none" w="med" len="med"/>
                     </a:lnB>
                     <a:solidFill>
-                      <a:schemeClr val="bg1"/>
+                      <a:schemeClr val="bg1">
+                        <a:lumMod val="95000"/>
+                      </a:schemeClr>
                     </a:solidFill>
                   </a:tcPr>
                 </a:tc>
@@ -18461,7 +18475,7 @@
                 </a:tc>
                 <a:extLst>
                   <a:ext uri="{0D108BD9-81ED-4DB2-BD59-A6C34878D82A}">
-                    <a16:rowId xmlns:a16="http://schemas.microsoft.com/office/drawing/2014/main" val="10005"/>
+                    <a16:rowId xmlns="" xmlns:a16="http://schemas.microsoft.com/office/drawing/2014/main" val="10005"/>
                   </a:ext>
                 </a:extLst>
               </a:tr>
@@ -18473,13 +18487,13 @@
                     <a:p>
                       <a:pPr algn="l" latinLnBrk="1"/>
                       <a:r>
-                        <a:rPr lang="ko-KR" altLang="en-US" sz="1050" dirty="0" smtClean="0">
+                        <a:rPr lang="ko-KR" altLang="en-US" sz="1100" dirty="0" smtClean="0">
                           <a:latin typeface="+mj-lt"/>
                           <a:ea typeface="나눔바른고딕" pitchFamily="50" charset="-127"/>
                         </a:rPr>
                         <a:t>매물 상세 페이지</a:t>
                       </a:r>
-                      <a:endParaRPr lang="ko-KR" altLang="en-US" sz="1050" dirty="0">
+                      <a:endParaRPr lang="ko-KR" altLang="en-US" sz="1100" dirty="0">
                         <a:latin typeface="+mj-lt"/>
                         <a:ea typeface="나눔바른고딕" pitchFamily="50" charset="-127"/>
                       </a:endParaRPr>
@@ -19007,7 +19021,9 @@
                       <a:tailEnd type="none" w="med" len="med"/>
                     </a:lnB>
                     <a:solidFill>
-                      <a:schemeClr val="bg1"/>
+                      <a:schemeClr val="bg1">
+                        <a:lumMod val="95000"/>
+                      </a:schemeClr>
                     </a:solidFill>
                   </a:tcPr>
                 </a:tc>
@@ -19069,7 +19085,9 @@
                       <a:tailEnd type="none" w="med" len="med"/>
                     </a:lnB>
                     <a:solidFill>
-                      <a:schemeClr val="bg1"/>
+                      <a:schemeClr val="bg1">
+                        <a:lumMod val="95000"/>
+                      </a:schemeClr>
                     </a:solidFill>
                   </a:tcPr>
                 </a:tc>
@@ -19131,7 +19149,9 @@
                       <a:tailEnd type="none" w="med" len="med"/>
                     </a:lnB>
                     <a:solidFill>
-                      <a:schemeClr val="bg1"/>
+                      <a:schemeClr val="bg1">
+                        <a:lumMod val="95000"/>
+                      </a:schemeClr>
                     </a:solidFill>
                   </a:tcPr>
                 </a:tc>
@@ -19193,7 +19213,9 @@
                       <a:tailEnd type="none" w="med" len="med"/>
                     </a:lnB>
                     <a:solidFill>
-                      <a:schemeClr val="bg1"/>
+                      <a:schemeClr val="bg1">
+                        <a:lumMod val="95000"/>
+                      </a:schemeClr>
                     </a:solidFill>
                   </a:tcPr>
                 </a:tc>
@@ -19261,7 +19283,7 @@
                 </a:tc>
                 <a:extLst>
                   <a:ext uri="{0D108BD9-81ED-4DB2-BD59-A6C34878D82A}">
-                    <a16:rowId xmlns:a16="http://schemas.microsoft.com/office/drawing/2014/main" val="10006"/>
+                    <a16:rowId xmlns="" xmlns:a16="http://schemas.microsoft.com/office/drawing/2014/main" val="10006"/>
                   </a:ext>
                 </a:extLst>
               </a:tr>
@@ -19273,27 +19295,27 @@
                     <a:p>
                       <a:pPr algn="l" latinLnBrk="1"/>
                       <a:r>
-                        <a:rPr lang="ko-KR" altLang="en-US" sz="1050" dirty="0" smtClean="0">
+                        <a:rPr lang="ko-KR" altLang="en-US" sz="1100" dirty="0" smtClean="0">
                           <a:latin typeface="+mj-lt"/>
                           <a:ea typeface="나눔바른고딕" pitchFamily="50" charset="-127"/>
                         </a:rPr>
                         <a:t>매물 </a:t>
                       </a:r>
                       <a:r>
-                        <a:rPr lang="en-US" altLang="ko-KR" sz="1050" dirty="0" smtClean="0">
+                        <a:rPr lang="en-US" altLang="ko-KR" sz="1100" dirty="0" smtClean="0">
                           <a:latin typeface="+mj-lt"/>
                           <a:ea typeface="나눔바른고딕" pitchFamily="50" charset="-127"/>
                         </a:rPr>
                         <a:t>overview/</a:t>
                       </a:r>
                       <a:r>
-                        <a:rPr lang="ko-KR" altLang="en-US" sz="1050" dirty="0" smtClean="0">
+                        <a:rPr lang="ko-KR" altLang="en-US" sz="1100" dirty="0" smtClean="0">
                           <a:latin typeface="+mj-lt"/>
                           <a:ea typeface="나눔바른고딕" pitchFamily="50" charset="-127"/>
                         </a:rPr>
                         <a:t>검색</a:t>
                       </a:r>
-                      <a:endParaRPr lang="ko-KR" altLang="en-US" sz="1050" dirty="0">
+                      <a:endParaRPr lang="ko-KR" altLang="en-US" sz="1100" dirty="0">
                         <a:latin typeface="+mj-lt"/>
                         <a:ea typeface="나눔바른고딕" pitchFamily="50" charset="-127"/>
                       </a:endParaRPr>
@@ -19821,7 +19843,9 @@
                       <a:tailEnd type="none" w="med" len="med"/>
                     </a:lnB>
                     <a:solidFill>
-                      <a:schemeClr val="bg1"/>
+                      <a:schemeClr val="bg1">
+                        <a:lumMod val="95000"/>
+                      </a:schemeClr>
                     </a:solidFill>
                   </a:tcPr>
                 </a:tc>
@@ -19883,7 +19907,9 @@
                       <a:tailEnd type="none" w="med" len="med"/>
                     </a:lnB>
                     <a:solidFill>
-                      <a:schemeClr val="bg1"/>
+                      <a:schemeClr val="bg1">
+                        <a:lumMod val="95000"/>
+                      </a:schemeClr>
                     </a:solidFill>
                   </a:tcPr>
                 </a:tc>
@@ -19945,7 +19971,9 @@
                       <a:tailEnd type="none" w="med" len="med"/>
                     </a:lnB>
                     <a:solidFill>
-                      <a:schemeClr val="bg1"/>
+                      <a:schemeClr val="bg1">
+                        <a:lumMod val="95000"/>
+                      </a:schemeClr>
                     </a:solidFill>
                   </a:tcPr>
                 </a:tc>
@@ -20007,7 +20035,9 @@
                       <a:tailEnd type="none" w="med" len="med"/>
                     </a:lnB>
                     <a:solidFill>
-                      <a:schemeClr val="bg1"/>
+                      <a:schemeClr val="bg1">
+                        <a:lumMod val="95000"/>
+                      </a:schemeClr>
                     </a:solidFill>
                   </a:tcPr>
                 </a:tc>
@@ -20075,7 +20105,7 @@
                 </a:tc>
                 <a:extLst>
                   <a:ext uri="{0D108BD9-81ED-4DB2-BD59-A6C34878D82A}">
-                    <a16:rowId xmlns:a16="http://schemas.microsoft.com/office/drawing/2014/main" val="10007"/>
+                    <a16:rowId xmlns="" xmlns:a16="http://schemas.microsoft.com/office/drawing/2014/main" val="10007"/>
                   </a:ext>
                 </a:extLst>
               </a:tr>
@@ -20087,27 +20117,27 @@
                     <a:p>
                       <a:pPr algn="l" latinLnBrk="1"/>
                       <a:r>
-                        <a:rPr lang="ko-KR" altLang="en-US" sz="1050" dirty="0" err="1" smtClean="0">
+                        <a:rPr lang="ko-KR" altLang="en-US" sz="1100" dirty="0" err="1" smtClean="0">
                           <a:latin typeface="+mj-lt"/>
                           <a:ea typeface="나눔바른고딕" pitchFamily="50" charset="-127"/>
                         </a:rPr>
                         <a:t>찜리스트</a:t>
                       </a:r>
                       <a:r>
-                        <a:rPr lang="en-US" altLang="ko-KR" sz="1050" dirty="0" smtClean="0">
+                        <a:rPr lang="en-US" altLang="ko-KR" sz="1100" dirty="0" smtClean="0">
                           <a:latin typeface="+mj-lt"/>
                           <a:ea typeface="나눔바른고딕" pitchFamily="50" charset="-127"/>
                         </a:rPr>
                         <a:t>, </a:t>
                       </a:r>
                       <a:r>
-                        <a:rPr lang="ko-KR" altLang="en-US" sz="1050" dirty="0" smtClean="0">
+                        <a:rPr lang="ko-KR" altLang="en-US" sz="1100" dirty="0" smtClean="0">
                           <a:latin typeface="+mj-lt"/>
                           <a:ea typeface="나눔바른고딕" pitchFamily="50" charset="-127"/>
                         </a:rPr>
                         <a:t>최근 본 방</a:t>
                       </a:r>
-                      <a:endParaRPr lang="ko-KR" altLang="en-US" sz="1050" dirty="0">
+                      <a:endParaRPr lang="ko-KR" altLang="en-US" sz="1100" dirty="0">
                         <a:latin typeface="+mj-lt"/>
                         <a:ea typeface="나눔바른고딕" pitchFamily="50" charset="-127"/>
                       </a:endParaRPr>
@@ -20635,7 +20665,9 @@
                       <a:tailEnd type="none" w="med" len="med"/>
                     </a:lnB>
                     <a:solidFill>
-                      <a:schemeClr val="bg1"/>
+                      <a:schemeClr val="bg1">
+                        <a:lumMod val="95000"/>
+                      </a:schemeClr>
                     </a:solidFill>
                   </a:tcPr>
                 </a:tc>
@@ -20697,7 +20729,9 @@
                       <a:tailEnd type="none" w="med" len="med"/>
                     </a:lnB>
                     <a:solidFill>
-                      <a:schemeClr val="bg1"/>
+                      <a:schemeClr val="bg1">
+                        <a:lumMod val="95000"/>
+                      </a:schemeClr>
                     </a:solidFill>
                   </a:tcPr>
                 </a:tc>
@@ -20759,7 +20793,9 @@
                       <a:tailEnd type="none" w="med" len="med"/>
                     </a:lnB>
                     <a:solidFill>
-                      <a:schemeClr val="bg1"/>
+                      <a:schemeClr val="bg1">
+                        <a:lumMod val="95000"/>
+                      </a:schemeClr>
                     </a:solidFill>
                   </a:tcPr>
                 </a:tc>
@@ -20821,7 +20857,9 @@
                       <a:tailEnd type="none" w="med" len="med"/>
                     </a:lnB>
                     <a:solidFill>
-                      <a:schemeClr val="bg1"/>
+                      <a:schemeClr val="bg1">
+                        <a:lumMod val="95000"/>
+                      </a:schemeClr>
                     </a:solidFill>
                   </a:tcPr>
                 </a:tc>
@@ -20889,7 +20927,7 @@
                 </a:tc>
                 <a:extLst>
                   <a:ext uri="{0D108BD9-81ED-4DB2-BD59-A6C34878D82A}">
-                    <a16:rowId xmlns:a16="http://schemas.microsoft.com/office/drawing/2014/main" val="10008"/>
+                    <a16:rowId xmlns="" xmlns:a16="http://schemas.microsoft.com/office/drawing/2014/main" val="10008"/>
                   </a:ext>
                 </a:extLst>
               </a:tr>
@@ -20901,13 +20939,13 @@
                     <a:p>
                       <a:pPr algn="l" latinLnBrk="1"/>
                       <a:r>
-                        <a:rPr lang="ko-KR" altLang="en-US" sz="1050" dirty="0" smtClean="0">
+                        <a:rPr lang="ko-KR" altLang="en-US" sz="1100" dirty="0" smtClean="0">
                           <a:latin typeface="+mj-lt"/>
                           <a:ea typeface="나눔바른고딕" pitchFamily="50" charset="-127"/>
                         </a:rPr>
                         <a:t>관리자 페이지</a:t>
                       </a:r>
-                      <a:endParaRPr lang="ko-KR" altLang="en-US" sz="1050" dirty="0">
+                      <a:endParaRPr lang="ko-KR" altLang="en-US" sz="1100" dirty="0">
                         <a:latin typeface="+mj-lt"/>
                         <a:ea typeface="나눔바른고딕" pitchFamily="50" charset="-127"/>
                       </a:endParaRPr>
@@ -21433,7 +21471,9 @@
                       <a:tailEnd type="none" w="med" len="med"/>
                     </a:lnB>
                     <a:solidFill>
-                      <a:schemeClr val="bg1"/>
+                      <a:schemeClr val="bg1">
+                        <a:lumMod val="95000"/>
+                      </a:schemeClr>
                     </a:solidFill>
                   </a:tcPr>
                 </a:tc>
@@ -21495,7 +21535,9 @@
                       <a:tailEnd type="none" w="med" len="med"/>
                     </a:lnB>
                     <a:solidFill>
-                      <a:schemeClr val="bg1"/>
+                      <a:schemeClr val="bg1">
+                        <a:lumMod val="95000"/>
+                      </a:schemeClr>
                     </a:solidFill>
                   </a:tcPr>
                 </a:tc>
@@ -21557,7 +21599,7 @@
                       <a:tailEnd type="none" w="med" len="med"/>
                     </a:lnB>
                     <a:solidFill>
-                      <a:schemeClr val="bg1"/>
+                      <a:srgbClr val="FFC000"/>
                     </a:solidFill>
                   </a:tcPr>
                 </a:tc>
@@ -21619,7 +21661,9 @@
                       <a:tailEnd type="none" w="med" len="med"/>
                     </a:lnB>
                     <a:solidFill>
-                      <a:schemeClr val="bg1"/>
+                      <a:schemeClr val="bg1">
+                        <a:lumMod val="95000"/>
+                      </a:schemeClr>
                     </a:solidFill>
                   </a:tcPr>
                 </a:tc>
@@ -21687,7 +21731,7 @@
                 </a:tc>
                 <a:extLst>
                   <a:ext uri="{0D108BD9-81ED-4DB2-BD59-A6C34878D82A}">
-                    <a16:rowId xmlns:a16="http://schemas.microsoft.com/office/drawing/2014/main" val="10009"/>
+                    <a16:rowId xmlns="" xmlns:a16="http://schemas.microsoft.com/office/drawing/2014/main" val="10009"/>
                   </a:ext>
                 </a:extLst>
               </a:tr>
@@ -21699,13 +21743,13 @@
                     <a:p>
                       <a:pPr algn="l" latinLnBrk="1"/>
                       <a:r>
-                        <a:rPr lang="ko-KR" altLang="en-US" sz="1050" dirty="0" smtClean="0">
+                        <a:rPr lang="ko-KR" altLang="en-US" sz="1100" dirty="0" smtClean="0">
                           <a:latin typeface="+mj-lt"/>
                           <a:ea typeface="나눔바른고딕" pitchFamily="50" charset="-127"/>
                         </a:rPr>
                         <a:t>문의사항</a:t>
                       </a:r>
-                      <a:endParaRPr lang="ko-KR" altLang="en-US" sz="1050" dirty="0">
+                      <a:endParaRPr lang="ko-KR" altLang="en-US" sz="1100" dirty="0">
                         <a:latin typeface="+mj-lt"/>
                         <a:ea typeface="나눔바른고딕" pitchFamily="50" charset="-127"/>
                       </a:endParaRPr>
@@ -22231,7 +22275,9 @@
                       <a:tailEnd type="none" w="med" len="med"/>
                     </a:lnB>
                     <a:solidFill>
-                      <a:schemeClr val="bg1"/>
+                      <a:schemeClr val="bg1">
+                        <a:lumMod val="95000"/>
+                      </a:schemeClr>
                     </a:solidFill>
                   </a:tcPr>
                 </a:tc>
@@ -22293,7 +22339,9 @@
                       <a:tailEnd type="none" w="med" len="med"/>
                     </a:lnB>
                     <a:solidFill>
-                      <a:schemeClr val="bg1"/>
+                      <a:schemeClr val="bg1">
+                        <a:lumMod val="95000"/>
+                      </a:schemeClr>
                     </a:solidFill>
                   </a:tcPr>
                 </a:tc>
@@ -22355,7 +22403,9 @@
                       <a:tailEnd type="none" w="med" len="med"/>
                     </a:lnB>
                     <a:solidFill>
-                      <a:schemeClr val="bg1"/>
+                      <a:schemeClr val="bg1">
+                        <a:lumMod val="95000"/>
+                      </a:schemeClr>
                     </a:solidFill>
                   </a:tcPr>
                 </a:tc>
@@ -22417,7 +22467,9 @@
                       <a:tailEnd type="none" w="med" len="med"/>
                     </a:lnB>
                     <a:solidFill>
-                      <a:schemeClr val="bg1"/>
+                      <a:schemeClr val="bg1">
+                        <a:lumMod val="95000"/>
+                      </a:schemeClr>
                     </a:solidFill>
                   </a:tcPr>
                 </a:tc>
@@ -22485,7 +22537,7 @@
                 </a:tc>
                 <a:extLst>
                   <a:ext uri="{0D108BD9-81ED-4DB2-BD59-A6C34878D82A}">
-                    <a16:rowId xmlns:a16="http://schemas.microsoft.com/office/drawing/2014/main" val="10010"/>
+                    <a16:rowId xmlns="" xmlns:a16="http://schemas.microsoft.com/office/drawing/2014/main" val="10010"/>
                   </a:ext>
                 </a:extLst>
               </a:tr>
@@ -22497,13 +22549,13 @@
                     <a:p>
                       <a:pPr algn="l" latinLnBrk="1"/>
                       <a:r>
-                        <a:rPr lang="ko-KR" altLang="en-US" sz="1050" dirty="0" smtClean="0">
+                        <a:rPr lang="ko-KR" altLang="en-US" sz="1100" dirty="0" smtClean="0">
                           <a:latin typeface="+mj-lt"/>
                           <a:ea typeface="나눔바른고딕" pitchFamily="50" charset="-127"/>
                         </a:rPr>
                         <a:t>전체 디자인</a:t>
                       </a:r>
-                      <a:endParaRPr lang="ko-KR" altLang="en-US" sz="1050" dirty="0">
+                      <a:endParaRPr lang="ko-KR" altLang="en-US" sz="1100" dirty="0">
                         <a:latin typeface="+mj-lt"/>
                         <a:ea typeface="나눔바른고딕" pitchFamily="50" charset="-127"/>
                       </a:endParaRPr>
@@ -23023,7 +23075,9 @@
                       <a:tailEnd type="none" w="med" len="med"/>
                     </a:lnB>
                     <a:solidFill>
-                      <a:schemeClr val="bg1"/>
+                      <a:schemeClr val="bg1">
+                        <a:lumMod val="95000"/>
+                      </a:schemeClr>
                     </a:solidFill>
                   </a:tcPr>
                 </a:tc>
@@ -23085,7 +23139,9 @@
                       <a:tailEnd type="none" w="med" len="med"/>
                     </a:lnB>
                     <a:solidFill>
-                      <a:schemeClr val="bg1"/>
+                      <a:schemeClr val="bg1">
+                        <a:lumMod val="95000"/>
+                      </a:schemeClr>
                     </a:solidFill>
                   </a:tcPr>
                 </a:tc>
@@ -23147,7 +23203,9 @@
                       <a:tailEnd type="none" w="med" len="med"/>
                     </a:lnB>
                     <a:solidFill>
-                      <a:schemeClr val="bg1"/>
+                      <a:schemeClr val="bg1">
+                        <a:lumMod val="95000"/>
+                      </a:schemeClr>
                     </a:solidFill>
                   </a:tcPr>
                 </a:tc>
@@ -23209,7 +23267,9 @@
                       <a:tailEnd type="none" w="med" len="med"/>
                     </a:lnB>
                     <a:solidFill>
-                      <a:schemeClr val="bg1"/>
+                      <a:schemeClr val="bg1">
+                        <a:lumMod val="95000"/>
+                      </a:schemeClr>
                     </a:solidFill>
                   </a:tcPr>
                 </a:tc>
@@ -23277,7 +23337,7 @@
                 </a:tc>
                 <a:extLst>
                   <a:ext uri="{0D108BD9-81ED-4DB2-BD59-A6C34878D82A}">
-                    <a16:rowId xmlns:a16="http://schemas.microsoft.com/office/drawing/2014/main" val="10011"/>
+                    <a16:rowId xmlns="" xmlns:a16="http://schemas.microsoft.com/office/drawing/2014/main" val="10011"/>
                   </a:ext>
                 </a:extLst>
               </a:tr>
@@ -23289,13 +23349,13 @@
                     <a:p>
                       <a:pPr algn="l" latinLnBrk="1"/>
                       <a:r>
-                        <a:rPr lang="en-US" altLang="ko-KR" sz="1050" dirty="0" smtClean="0">
+                        <a:rPr lang="en-US" altLang="ko-KR" sz="1100" dirty="0" smtClean="0">
                           <a:latin typeface="+mj-lt"/>
                           <a:ea typeface="나눔바른고딕" pitchFamily="50" charset="-127"/>
                         </a:rPr>
                         <a:t>API</a:t>
                       </a:r>
-                      <a:endParaRPr lang="ko-KR" altLang="en-US" sz="1050" dirty="0">
+                      <a:endParaRPr lang="ko-KR" altLang="en-US" sz="1100" dirty="0">
                         <a:latin typeface="+mj-lt"/>
                         <a:ea typeface="나눔바른고딕" pitchFamily="50" charset="-127"/>
                       </a:endParaRPr>
@@ -23819,7 +23879,9 @@
                       <a:tailEnd type="none" w="med" len="med"/>
                     </a:lnB>
                     <a:solidFill>
-                      <a:schemeClr val="bg1"/>
+                      <a:schemeClr val="bg1">
+                        <a:lumMod val="95000"/>
+                      </a:schemeClr>
                     </a:solidFill>
                   </a:tcPr>
                 </a:tc>
@@ -23881,7 +23943,9 @@
                       <a:tailEnd type="none" w="med" len="med"/>
                     </a:lnB>
                     <a:solidFill>
-                      <a:schemeClr val="bg1"/>
+                      <a:schemeClr val="bg1">
+                        <a:lumMod val="95000"/>
+                      </a:schemeClr>
                     </a:solidFill>
                   </a:tcPr>
                 </a:tc>
@@ -23943,7 +24007,9 @@
                       <a:tailEnd type="none" w="med" len="med"/>
                     </a:lnB>
                     <a:solidFill>
-                      <a:schemeClr val="bg1"/>
+                      <a:schemeClr val="bg1">
+                        <a:lumMod val="95000"/>
+                      </a:schemeClr>
                     </a:solidFill>
                   </a:tcPr>
                 </a:tc>
@@ -24005,7 +24071,9 @@
                       <a:tailEnd type="none" w="med" len="med"/>
                     </a:lnB>
                     <a:solidFill>
-                      <a:schemeClr val="bg1"/>
+                      <a:schemeClr val="bg1">
+                        <a:lumMod val="95000"/>
+                      </a:schemeClr>
                     </a:solidFill>
                   </a:tcPr>
                 </a:tc>
@@ -24073,7 +24141,7 @@
                 </a:tc>
                 <a:extLst>
                   <a:ext uri="{0D108BD9-81ED-4DB2-BD59-A6C34878D82A}">
-                    <a16:rowId xmlns:a16="http://schemas.microsoft.com/office/drawing/2014/main" val="10012"/>
+                    <a16:rowId xmlns="" xmlns:a16="http://schemas.microsoft.com/office/drawing/2014/main" val="10012"/>
                   </a:ext>
                 </a:extLst>
               </a:tr>
@@ -24299,7 +24367,7 @@
         </p:nvCxnSpPr>
         <p:spPr>
           <a:xfrm>
-            <a:off x="8244408" y="1772816"/>
+            <a:off x="8244408" y="1772817"/>
             <a:ext cx="0" cy="4176464"/>
           </a:xfrm>
           <a:prstGeom prst="line">
@@ -24437,7 +24505,7 @@
         </p:nvSpPr>
         <p:spPr>
           <a:xfrm>
-            <a:off x="3995936" y="5445224"/>
+            <a:off x="3995936" y="5365215"/>
             <a:ext cx="1152128" cy="646331"/>
           </a:xfrm>
           <a:prstGeom prst="rect">
@@ -24561,7 +24629,7 @@
         </p:nvSpPr>
         <p:spPr>
           <a:xfrm>
-            <a:off x="6228184" y="5589240"/>
+            <a:off x="6218659" y="5554950"/>
             <a:ext cx="1152128" cy="369332"/>
           </a:xfrm>
           <a:prstGeom prst="rect">
@@ -24617,7 +24685,7 @@
         </p:nvSpPr>
         <p:spPr>
           <a:xfrm>
-            <a:off x="4957440" y="1582192"/>
+            <a:off x="4957440" y="1582193"/>
             <a:ext cx="1152128" cy="261610"/>
           </a:xfrm>
           <a:prstGeom prst="rect">
@@ -24663,7 +24731,7 @@
         </p:nvSpPr>
         <p:spPr>
           <a:xfrm>
-            <a:off x="3995936" y="5373216"/>
+            <a:off x="3995936" y="5373217"/>
             <a:ext cx="936104" cy="720080"/>
           </a:xfrm>
           <a:prstGeom prst="wedgeRectCallout">
@@ -24750,6 +24818,117 @@
           <a:p>
             <a:pPr algn="ctr"/>
             <a:endParaRPr lang="ko-KR" altLang="en-US"/>
+          </a:p>
+        </p:txBody>
+      </p:sp>
+      <p:sp>
+        <p:nvSpPr>
+          <p:cNvPr id="32" name="직사각형 31"/>
+          <p:cNvSpPr/>
+          <p:nvPr/>
+        </p:nvSpPr>
+        <p:spPr>
+          <a:xfrm>
+            <a:off x="7308304" y="1844824"/>
+            <a:ext cx="648072" cy="4104456"/>
+          </a:xfrm>
+          <a:prstGeom prst="rect">
+            <a:avLst/>
+          </a:prstGeom>
+          <a:noFill/>
+          <a:ln>
+            <a:solidFill>
+              <a:srgbClr val="00B050"/>
+            </a:solidFill>
+            <a:prstDash val="dash"/>
+          </a:ln>
+        </p:spPr>
+        <p:style>
+          <a:lnRef idx="2">
+            <a:schemeClr val="accent1">
+              <a:shade val="50000"/>
+            </a:schemeClr>
+          </a:lnRef>
+          <a:fillRef idx="1">
+            <a:schemeClr val="accent1"/>
+          </a:fillRef>
+          <a:effectRef idx="0">
+            <a:schemeClr val="accent1"/>
+          </a:effectRef>
+          <a:fontRef idx="minor">
+            <a:schemeClr val="lt1"/>
+          </a:fontRef>
+        </p:style>
+        <p:txBody>
+          <a:bodyPr rtlCol="0" anchor="ctr"/>
+          <a:lstStyle/>
+          <a:p>
+            <a:pPr algn="ctr"/>
+            <a:endParaRPr lang="ko-KR" altLang="en-US"/>
+          </a:p>
+        </p:txBody>
+      </p:sp>
+      <p:sp>
+        <p:nvSpPr>
+          <p:cNvPr id="34" name="TextBox 33"/>
+          <p:cNvSpPr txBox="1"/>
+          <p:nvPr/>
+        </p:nvSpPr>
+        <p:spPr>
+          <a:xfrm>
+            <a:off x="7236296" y="1340769"/>
+            <a:ext cx="1152128" cy="430887"/>
+          </a:xfrm>
+          <a:prstGeom prst="rect">
+            <a:avLst/>
+          </a:prstGeom>
+          <a:noFill/>
+        </p:spPr>
+        <p:txBody>
+          <a:bodyPr wrap="square" rtlCol="0">
+            <a:spAutoFit/>
+          </a:bodyPr>
+          <a:lstStyle/>
+          <a:p>
+            <a:r>
+              <a:rPr lang="en-US" altLang="ko-KR" sz="1100" b="1" i="1" dirty="0" smtClean="0">
+                <a:solidFill>
+                  <a:srgbClr val="00B050"/>
+                </a:solidFill>
+              </a:rPr>
+              <a:t>AngularJS,</a:t>
+            </a:r>
+          </a:p>
+          <a:p>
+            <a:r>
+              <a:rPr lang="en-US" altLang="ko-KR" sz="1100" b="1" i="1" dirty="0" err="1" smtClean="0">
+                <a:solidFill>
+                  <a:srgbClr val="00B050"/>
+                </a:solidFill>
+              </a:rPr>
+              <a:t>ReactJS</a:t>
+            </a:r>
+            <a:r>
+              <a:rPr lang="en-US" altLang="ko-KR" sz="1100" b="1" i="1" dirty="0" smtClean="0">
+                <a:solidFill>
+                  <a:srgbClr val="00B050"/>
+                </a:solidFill>
+              </a:rPr>
+              <a:t> </a:t>
+            </a:r>
+            <a:r>
+              <a:rPr lang="ko-KR" altLang="en-US" sz="1100" b="1" i="1" dirty="0" smtClean="0">
+                <a:solidFill>
+                  <a:srgbClr val="00B050"/>
+                </a:solidFill>
+              </a:rPr>
+              <a:t>전환</a:t>
+            </a:r>
+            <a:endParaRPr lang="ko-KR" altLang="en-US" sz="1100" b="1" i="1" dirty="0">
+              <a:solidFill>
+                <a:srgbClr val="00B050"/>
+              </a:solidFill>
+            </a:endParaRPr>
           </a:p>
         </p:txBody>
       </p:sp>
@@ -24867,7 +25046,7 @@
         <p:spPr bwMode="auto">
           <a:xfrm>
             <a:off x="6012160" y="188640"/>
-            <a:ext cx="1944216" cy="504825"/>
+            <a:ext cx="1944216" cy="504826"/>
           </a:xfrm>
           <a:prstGeom prst="rect">
             <a:avLst/>
@@ -25001,7 +25180,7 @@
         </p:nvSpPr>
         <p:spPr>
           <a:xfrm>
-            <a:off x="4716016" y="260648"/>
+            <a:off x="4716018" y="260648"/>
             <a:ext cx="992579" cy="338554"/>
           </a:xfrm>
           <a:prstGeom prst="rect">
@@ -25040,7 +25219,7 @@
         </p:nvSpPr>
         <p:spPr>
           <a:xfrm>
-            <a:off x="6012160" y="260648"/>
+            <a:off x="6012162" y="260648"/>
             <a:ext cx="1867819" cy="338554"/>
           </a:xfrm>
           <a:prstGeom prst="rect">
@@ -25072,7 +25251,7 @@
         </p:nvSpPr>
         <p:spPr>
           <a:xfrm>
-            <a:off x="8100392" y="260648"/>
+            <a:off x="8100394" y="260648"/>
             <a:ext cx="588623" cy="338554"/>
           </a:xfrm>
           <a:prstGeom prst="rect">
@@ -25111,7 +25290,7 @@
         </p:nvSpPr>
         <p:spPr>
           <a:xfrm>
-            <a:off x="251520" y="836712"/>
+            <a:off x="251520" y="836714"/>
             <a:ext cx="7704856" cy="646331"/>
           </a:xfrm>
           <a:prstGeom prst="rect">
@@ -25157,7 +25336,7 @@
         </p:nvGrpSpPr>
         <p:grpSpPr>
           <a:xfrm>
-            <a:off x="539550" y="1628800"/>
+            <a:off x="539552" y="1628800"/>
             <a:ext cx="7776865" cy="4464056"/>
             <a:chOff x="453687" y="1844824"/>
             <a:chExt cx="7776865" cy="4464056"/>
@@ -25306,7 +25485,7 @@
         <p:spPr>
           <a:xfrm>
             <a:off x="683568" y="2204864"/>
-            <a:ext cx="7272808" cy="3856440"/>
+            <a:ext cx="7272808" cy="3901068"/>
           </a:xfrm>
           <a:prstGeom prst="rect">
             <a:avLst/>
